--- a/개인고객 신용등급 산정 모델링.pptx
+++ b/개인고객 신용등급 산정 모델링.pptx
@@ -5,7 +5,7 @@
     <p:sldMasterId id="2147483648" r:id="rId1"/>
   </p:sldMasterIdLst>
   <p:notesMasterIdLst>
-    <p:notesMasterId r:id="rId7"/>
+    <p:notesMasterId r:id="rId11"/>
   </p:notesMasterIdLst>
   <p:sldIdLst>
     <p:sldId id="256" r:id="rId2"/>
@@ -13,6 +13,10 @@
     <p:sldId id="257" r:id="rId4"/>
     <p:sldId id="258" r:id="rId5"/>
     <p:sldId id="259" r:id="rId6"/>
+    <p:sldId id="262" r:id="rId7"/>
+    <p:sldId id="261" r:id="rId8"/>
+    <p:sldId id="263" r:id="rId9"/>
+    <p:sldId id="264" r:id="rId10"/>
   </p:sldIdLst>
   <p:sldSz cx="12192000" cy="6858000"/>
   <p:notesSz cx="6858000" cy="9144000"/>
@@ -111,6 +115,11 @@
       </a:defRPr>
     </a:lvl9pPr>
   </p:defaultTextStyle>
+  <p:extLst>
+    <p:ext uri="{EFAFB233-063F-42B5-8137-9DF3F51BA10A}">
+      <p15:sldGuideLst xmlns:p15="http://schemas.microsoft.com/office/powerpoint/2012/main"/>
+    </p:ext>
+  </p:extLst>
 </p:presentation>
 </file>
 
@@ -535,8 +544,13 @@
             </a:r>
             <a:r>
               <a:rPr lang="ko-KR" altLang="en-US" dirty="0"/>
-              <a:t>또한 이에 더 나아가서 중신용자의 대출승인을 위한 잠재적 기준을 제안함으로써 </a:t>
-            </a:r>
+              <a:t>또한 이에 더 나아가서 중신용자의 대출승인을 위한 잠재적 기준을 추가적으로 제안합니다</a:t>
+            </a:r>
+            <a:r>
+              <a:rPr lang="en-US" altLang="ko-KR" dirty="0"/>
+              <a:t>.</a:t>
+            </a:r>
+            <a:endParaRPr lang="ko-KR" altLang="en-US" dirty="0"/>
           </a:p>
         </p:txBody>
       </p:sp>
@@ -625,10 +639,38 @@
               <a:t>은행의 주요 수익원인 예대마진율이 연속 감소 추이를 보이고 있습니다</a:t>
             </a:r>
             <a:r>
+              <a:rPr lang="en-US" altLang="ko-KR" dirty="0"/>
+              <a:t>. </a:t>
+            </a:r>
+            <a:r>
+              <a:rPr lang="ko-KR" altLang="en-US" dirty="0"/>
+              <a:t>이 원인은 대출 규모의 연속 감소세 때문입니다</a:t>
+            </a:r>
+            <a:r>
+              <a:rPr lang="en-US" altLang="ko-KR" dirty="0"/>
+              <a:t>. </a:t>
+            </a:r>
+            <a:r>
+              <a:rPr lang="ko-KR" altLang="en-US" dirty="0"/>
+              <a:t>시중은행 전체적으로 대출 규모가 감소하고 있습니다</a:t>
+            </a:r>
+            <a:r>
               <a:rPr lang="en-US" altLang="ko-KR"/>
+              <a:t>.</a:t>
+            </a:r>
+            <a:r>
+              <a:rPr lang="ko-KR" altLang="en-US"/>
+              <a:t> 구체적으로 하나은행의 </a:t>
+            </a:r>
+            <a:r>
+              <a:rPr lang="ko-KR" altLang="en-US" dirty="0"/>
+              <a:t>예대마진율도 연속 감수 추세를 보이고 있습니다</a:t>
+            </a:r>
+            <a:r>
+              <a:rPr lang="en-US" altLang="ko-KR" dirty="0"/>
               <a:t>. </a:t>
             </a:r>
-            <a:endParaRPr lang="ko-KR" altLang="en-US"/>
+            <a:endParaRPr lang="ko-KR" altLang="en-US" dirty="0"/>
           </a:p>
         </p:txBody>
       </p:sp>
@@ -4005,7 +4047,10 @@
           <a:bodyPr/>
           <a:lstStyle/>
           <a:p>
-            <a:endParaRPr lang="ko-KR" altLang="en-US" dirty="0"/>
+            <a:r>
+              <a:rPr lang="ko-KR" altLang="en-US" dirty="0"/>
+              <a:t>프로젝트 선정 배경</a:t>
+            </a:r>
           </a:p>
         </p:txBody>
       </p:sp>
@@ -4098,7 +4143,49 @@
           <a:p>
             <a:r>
               <a:rPr lang="ko-KR" altLang="en-US" dirty="0"/>
-              <a:t>정확도 높은 신용등급 산정과 </a:t>
+              <a:t>정확도 높은 신용등급 산정과 중신용자 공략 통해 </a:t>
+            </a:r>
+            <a:r>
+              <a:rPr lang="en-US" altLang="ko-KR" dirty="0"/>
+              <a:t>=&gt; </a:t>
+            </a:r>
+            <a:r>
+              <a:rPr lang="ko-KR" altLang="en-US" dirty="0"/>
+              <a:t>은행 주요 </a:t>
+            </a:r>
+            <a:r>
+              <a:rPr lang="en-US" altLang="ko-KR" dirty="0"/>
+              <a:t>BM (</a:t>
+            </a:r>
+            <a:r>
+              <a:rPr lang="ko-KR" altLang="en-US" dirty="0"/>
+              <a:t>예대마진율</a:t>
+            </a:r>
+            <a:r>
+              <a:rPr lang="en-US" altLang="ko-KR" dirty="0"/>
+              <a:t>) </a:t>
+            </a:r>
+            <a:r>
+              <a:rPr lang="ko-KR" altLang="en-US" dirty="0"/>
+              <a:t>개선 </a:t>
+            </a:r>
+            <a:r>
+              <a:rPr lang="en-US" altLang="ko-KR" dirty="0"/>
+              <a:t>&amp; </a:t>
+            </a:r>
+            <a:r>
+              <a:rPr lang="ko-KR" altLang="en-US" dirty="0"/>
+              <a:t>개인 채무 불이행 리스크 최소화</a:t>
+            </a:r>
+            <a:r>
+              <a:rPr lang="en-US" altLang="ko-KR" dirty="0"/>
+              <a:t> </a:t>
+            </a:r>
+          </a:p>
+          <a:p>
+            <a:r>
+              <a:rPr lang="ko-KR" altLang="en-US" dirty="0"/>
+              <a:t>인터넷 뱅크의 </a:t>
             </a:r>
             <a:r>
               <a:rPr lang="ko-KR" altLang="en-US" dirty="0" err="1"/>
@@ -4106,47 +4193,8 @@
             </a:r>
             <a:r>
               <a:rPr lang="ko-KR" altLang="en-US" dirty="0"/>
-              <a:t> 공략 통해 </a:t>
-            </a:r>
-            <a:r>
-              <a:rPr lang="en-US" altLang="ko-KR" dirty="0"/>
-              <a:t>=&gt; </a:t>
-            </a:r>
-            <a:r>
-              <a:rPr lang="ko-KR" altLang="en-US" dirty="0"/>
-              <a:t>은행 주요 </a:t>
-            </a:r>
-            <a:r>
-              <a:rPr lang="en-US" altLang="ko-KR" dirty="0"/>
-              <a:t>BM (</a:t>
-            </a:r>
-            <a:r>
-              <a:rPr lang="ko-KR" altLang="en-US" dirty="0"/>
-              <a:t>예대마진율</a:t>
-            </a:r>
-            <a:r>
-              <a:rPr lang="en-US" altLang="ko-KR" dirty="0"/>
-              <a:t>) </a:t>
-            </a:r>
-            <a:r>
-              <a:rPr lang="ko-KR" altLang="en-US" dirty="0"/>
-              <a:t>개선 </a:t>
-            </a:r>
-            <a:r>
-              <a:rPr lang="en-US" altLang="ko-KR" dirty="0"/>
-              <a:t>&amp; </a:t>
-            </a:r>
-            <a:r>
-              <a:rPr lang="ko-KR" altLang="en-US" dirty="0"/>
-              <a:t>개인 채무 불이행 리스크 최소화</a:t>
-            </a:r>
-            <a:r>
-              <a:rPr lang="en-US" altLang="ko-KR" dirty="0"/>
-              <a:t> </a:t>
-            </a:r>
-          </a:p>
-          <a:p>
-            <a:endParaRPr lang="ko-KR" altLang="en-US" dirty="0"/>
+              <a:t> 해소</a:t>
+            </a:r>
           </a:p>
         </p:txBody>
       </p:sp>
@@ -4201,7 +4249,23 @@
           <a:bodyPr/>
           <a:lstStyle/>
           <a:p>
-            <a:endParaRPr lang="ko-KR" altLang="en-US"/>
+            <a:r>
+              <a:rPr lang="ko-KR" altLang="en-US" dirty="0"/>
+              <a:t>스토리보드 </a:t>
+            </a:r>
+            <a:r>
+              <a:rPr lang="en-US" altLang="ko-KR" dirty="0"/>
+              <a:t>? </a:t>
+            </a:r>
+            <a:r>
+              <a:rPr lang="ko-KR" altLang="en-US" dirty="0"/>
+              <a:t>프로젝트 구조 </a:t>
+            </a:r>
+            <a:r>
+              <a:rPr lang="en-US" altLang="ko-KR" dirty="0"/>
+              <a:t>?</a:t>
+            </a:r>
+            <a:endParaRPr lang="ko-KR" altLang="en-US" dirty="0"/>
           </a:p>
         </p:txBody>
       </p:sp>
@@ -4281,7 +4345,14 @@
           <a:bodyPr/>
           <a:lstStyle/>
           <a:p>
-            <a:endParaRPr lang="ko-KR" altLang="en-US"/>
+            <a:r>
+              <a:rPr lang="en-US" altLang="ko-KR" dirty="0"/>
+              <a:t>2. </a:t>
+            </a:r>
+            <a:r>
+              <a:rPr lang="ko-KR" altLang="en-US" dirty="0"/>
+              <a:t>탐색적 데이터 분석</a:t>
+            </a:r>
           </a:p>
         </p:txBody>
       </p:sp>
@@ -4361,7 +4432,27 @@
           <a:bodyPr/>
           <a:lstStyle/>
           <a:p>
-            <a:endParaRPr lang="ko-KR" altLang="en-US"/>
+            <a:r>
+              <a:rPr lang="en-US" altLang="ko-KR" dirty="0"/>
+              <a:t>3. </a:t>
+            </a:r>
+            <a:r>
+              <a:rPr lang="ko-KR" altLang="en-US" dirty="0"/>
+              <a:t>프로젝트 수행 과정</a:t>
+            </a:r>
+            <a:r>
+              <a:rPr lang="en-US" altLang="ko-KR" dirty="0"/>
+              <a:t>1 = </a:t>
+            </a:r>
+            <a:r>
+              <a:rPr lang="ko-KR" altLang="en-US" dirty="0"/>
+              <a:t>데이터 </a:t>
+            </a:r>
+            <a:r>
+              <a:rPr lang="ko-KR" altLang="en-US" dirty="0" err="1"/>
+              <a:t>전처리</a:t>
+            </a:r>
+            <a:endParaRPr lang="ko-KR" altLang="en-US" dirty="0"/>
           </a:p>
         </p:txBody>
       </p:sp>
@@ -4394,6 +4485,355 @@
     <p:extLst>
       <p:ext uri="{BB962C8B-B14F-4D97-AF65-F5344CB8AC3E}">
         <p14:creationId xmlns:p14="http://schemas.microsoft.com/office/powerpoint/2010/main" val="811344652"/>
+      </p:ext>
+    </p:extLst>
+  </p:cSld>
+  <p:clrMapOvr>
+    <a:masterClrMapping/>
+  </p:clrMapOvr>
+</p:sld>
+</file>
+
+<file path=ppt/slides/slide6.xml><?xml version="1.0" encoding="utf-8"?>
+<p:sld xmlns:a="http://schemas.openxmlformats.org/drawingml/2006/main" xmlns:r="http://schemas.openxmlformats.org/officeDocument/2006/relationships" xmlns:p="http://schemas.openxmlformats.org/presentationml/2006/main">
+  <p:cSld>
+    <p:spTree>
+      <p:nvGrpSpPr>
+        <p:cNvPr id="1" name=""/>
+        <p:cNvGrpSpPr/>
+        <p:nvPr/>
+      </p:nvGrpSpPr>
+      <p:grpSpPr>
+        <a:xfrm>
+          <a:off x="0" y="0"/>
+          <a:ext cx="0" cy="0"/>
+          <a:chOff x="0" y="0"/>
+          <a:chExt cx="0" cy="0"/>
+        </a:xfrm>
+      </p:grpSpPr>
+      <p:sp>
+        <p:nvSpPr>
+          <p:cNvPr id="2" name="제목 1">
+            <a:extLst>
+              <a:ext uri="{FF2B5EF4-FFF2-40B4-BE49-F238E27FC236}">
+                <a16:creationId xmlns:a16="http://schemas.microsoft.com/office/drawing/2014/main" id="{4964187D-E143-E4A4-3ADB-C14B9782283E}"/>
+              </a:ext>
+            </a:extLst>
+          </p:cNvPr>
+          <p:cNvSpPr>
+            <a:spLocks noGrp="1"/>
+          </p:cNvSpPr>
+          <p:nvPr>
+            <p:ph type="title"/>
+          </p:nvPr>
+        </p:nvSpPr>
+        <p:spPr/>
+        <p:txBody>
+          <a:bodyPr/>
+          <a:lstStyle/>
+          <a:p>
+            <a:endParaRPr lang="ko-KR" altLang="en-US"/>
+          </a:p>
+        </p:txBody>
+      </p:sp>
+      <p:sp>
+        <p:nvSpPr>
+          <p:cNvPr id="3" name="내용 개체 틀 2">
+            <a:extLst>
+              <a:ext uri="{FF2B5EF4-FFF2-40B4-BE49-F238E27FC236}">
+                <a16:creationId xmlns:a16="http://schemas.microsoft.com/office/drawing/2014/main" id="{515C1417-B337-AB01-4884-6C222B689EBD}"/>
+              </a:ext>
+            </a:extLst>
+          </p:cNvPr>
+          <p:cNvSpPr>
+            <a:spLocks noGrp="1"/>
+          </p:cNvSpPr>
+          <p:nvPr>
+            <p:ph idx="1"/>
+          </p:nvPr>
+        </p:nvSpPr>
+        <p:spPr/>
+        <p:txBody>
+          <a:bodyPr/>
+          <a:lstStyle/>
+          <a:p>
+            <a:endParaRPr lang="ko-KR" altLang="en-US"/>
+          </a:p>
+        </p:txBody>
+      </p:sp>
+    </p:spTree>
+    <p:extLst>
+      <p:ext uri="{BB962C8B-B14F-4D97-AF65-F5344CB8AC3E}">
+        <p14:creationId xmlns:p14="http://schemas.microsoft.com/office/powerpoint/2010/main" val="1985252358"/>
+      </p:ext>
+    </p:extLst>
+  </p:cSld>
+  <p:clrMapOvr>
+    <a:masterClrMapping/>
+  </p:clrMapOvr>
+</p:sld>
+</file>
+
+<file path=ppt/slides/slide7.xml><?xml version="1.0" encoding="utf-8"?>
+<p:sld xmlns:a="http://schemas.openxmlformats.org/drawingml/2006/main" xmlns:r="http://schemas.openxmlformats.org/officeDocument/2006/relationships" xmlns:p="http://schemas.openxmlformats.org/presentationml/2006/main">
+  <p:cSld>
+    <p:spTree>
+      <p:nvGrpSpPr>
+        <p:cNvPr id="1" name=""/>
+        <p:cNvGrpSpPr/>
+        <p:nvPr/>
+      </p:nvGrpSpPr>
+      <p:grpSpPr>
+        <a:xfrm>
+          <a:off x="0" y="0"/>
+          <a:ext cx="0" cy="0"/>
+          <a:chOff x="0" y="0"/>
+          <a:chExt cx="0" cy="0"/>
+        </a:xfrm>
+      </p:grpSpPr>
+      <p:sp>
+        <p:nvSpPr>
+          <p:cNvPr id="2" name="제목 1">
+            <a:extLst>
+              <a:ext uri="{FF2B5EF4-FFF2-40B4-BE49-F238E27FC236}">
+                <a16:creationId xmlns:a16="http://schemas.microsoft.com/office/drawing/2014/main" id="{10046868-6F4F-B19C-79E6-E2D43235898D}"/>
+              </a:ext>
+            </a:extLst>
+          </p:cNvPr>
+          <p:cNvSpPr>
+            <a:spLocks noGrp="1"/>
+          </p:cNvSpPr>
+          <p:nvPr>
+            <p:ph type="title"/>
+          </p:nvPr>
+        </p:nvSpPr>
+        <p:spPr/>
+        <p:txBody>
+          <a:bodyPr/>
+          <a:lstStyle/>
+          <a:p>
+            <a:r>
+              <a:rPr lang="en-US" altLang="ko-KR" dirty="0"/>
+              <a:t>4. </a:t>
+            </a:r>
+            <a:r>
+              <a:rPr lang="ko-KR" altLang="en-US" dirty="0"/>
+              <a:t>프로젝트 수행 과정</a:t>
+            </a:r>
+            <a:r>
+              <a:rPr lang="en-US" altLang="ko-KR" dirty="0"/>
+              <a:t>2 = </a:t>
+            </a:r>
+            <a:r>
+              <a:rPr lang="ko-KR" altLang="en-US" dirty="0"/>
+              <a:t>분류 모델링</a:t>
+            </a:r>
+          </a:p>
+        </p:txBody>
+      </p:sp>
+      <p:sp>
+        <p:nvSpPr>
+          <p:cNvPr id="3" name="내용 개체 틀 2">
+            <a:extLst>
+              <a:ext uri="{FF2B5EF4-FFF2-40B4-BE49-F238E27FC236}">
+                <a16:creationId xmlns:a16="http://schemas.microsoft.com/office/drawing/2014/main" id="{BF569FBD-231D-3670-C081-D9D32E5ECC72}"/>
+              </a:ext>
+            </a:extLst>
+          </p:cNvPr>
+          <p:cNvSpPr>
+            <a:spLocks noGrp="1"/>
+          </p:cNvSpPr>
+          <p:nvPr>
+            <p:ph idx="1"/>
+          </p:nvPr>
+        </p:nvSpPr>
+        <p:spPr/>
+        <p:txBody>
+          <a:bodyPr/>
+          <a:lstStyle/>
+          <a:p>
+            <a:endParaRPr lang="ko-KR" altLang="en-US"/>
+          </a:p>
+        </p:txBody>
+      </p:sp>
+    </p:spTree>
+    <p:extLst>
+      <p:ext uri="{BB962C8B-B14F-4D97-AF65-F5344CB8AC3E}">
+        <p14:creationId xmlns:p14="http://schemas.microsoft.com/office/powerpoint/2010/main" val="3576840358"/>
+      </p:ext>
+    </p:extLst>
+  </p:cSld>
+  <p:clrMapOvr>
+    <a:masterClrMapping/>
+  </p:clrMapOvr>
+</p:sld>
+</file>
+
+<file path=ppt/slides/slide8.xml><?xml version="1.0" encoding="utf-8"?>
+<p:sld xmlns:a="http://schemas.openxmlformats.org/drawingml/2006/main" xmlns:r="http://schemas.openxmlformats.org/officeDocument/2006/relationships" xmlns:p="http://schemas.openxmlformats.org/presentationml/2006/main">
+  <p:cSld>
+    <p:spTree>
+      <p:nvGrpSpPr>
+        <p:cNvPr id="1" name=""/>
+        <p:cNvGrpSpPr/>
+        <p:nvPr/>
+      </p:nvGrpSpPr>
+      <p:grpSpPr>
+        <a:xfrm>
+          <a:off x="0" y="0"/>
+          <a:ext cx="0" cy="0"/>
+          <a:chOff x="0" y="0"/>
+          <a:chExt cx="0" cy="0"/>
+        </a:xfrm>
+      </p:grpSpPr>
+      <p:sp>
+        <p:nvSpPr>
+          <p:cNvPr id="2" name="제목 1">
+            <a:extLst>
+              <a:ext uri="{FF2B5EF4-FFF2-40B4-BE49-F238E27FC236}">
+                <a16:creationId xmlns:a16="http://schemas.microsoft.com/office/drawing/2014/main" id="{33193E75-39FB-5D73-2CB2-E5EB31D2BACA}"/>
+              </a:ext>
+            </a:extLst>
+          </p:cNvPr>
+          <p:cNvSpPr>
+            <a:spLocks noGrp="1"/>
+          </p:cNvSpPr>
+          <p:nvPr>
+            <p:ph type="title"/>
+          </p:nvPr>
+        </p:nvSpPr>
+        <p:spPr/>
+        <p:txBody>
+          <a:bodyPr/>
+          <a:lstStyle/>
+          <a:p>
+            <a:r>
+              <a:rPr lang="en-US" altLang="ko-KR" dirty="0"/>
+              <a:t>5. </a:t>
+            </a:r>
+            <a:r>
+              <a:rPr lang="ko-KR" altLang="en-US" dirty="0"/>
+              <a:t>클러스터링</a:t>
+            </a:r>
+          </a:p>
+        </p:txBody>
+      </p:sp>
+      <p:sp>
+        <p:nvSpPr>
+          <p:cNvPr id="3" name="내용 개체 틀 2">
+            <a:extLst>
+              <a:ext uri="{FF2B5EF4-FFF2-40B4-BE49-F238E27FC236}">
+                <a16:creationId xmlns:a16="http://schemas.microsoft.com/office/drawing/2014/main" id="{2218F5B8-D7CA-7666-D123-6C7266F6513C}"/>
+              </a:ext>
+            </a:extLst>
+          </p:cNvPr>
+          <p:cNvSpPr>
+            <a:spLocks noGrp="1"/>
+          </p:cNvSpPr>
+          <p:nvPr>
+            <p:ph idx="1"/>
+          </p:nvPr>
+        </p:nvSpPr>
+        <p:spPr/>
+        <p:txBody>
+          <a:bodyPr/>
+          <a:lstStyle/>
+          <a:p>
+            <a:endParaRPr lang="ko-KR" altLang="en-US"/>
+          </a:p>
+        </p:txBody>
+      </p:sp>
+    </p:spTree>
+    <p:extLst>
+      <p:ext uri="{BB962C8B-B14F-4D97-AF65-F5344CB8AC3E}">
+        <p14:creationId xmlns:p14="http://schemas.microsoft.com/office/powerpoint/2010/main" val="909310296"/>
+      </p:ext>
+    </p:extLst>
+  </p:cSld>
+  <p:clrMapOvr>
+    <a:masterClrMapping/>
+  </p:clrMapOvr>
+</p:sld>
+</file>
+
+<file path=ppt/slides/slide9.xml><?xml version="1.0" encoding="utf-8"?>
+<p:sld xmlns:a="http://schemas.openxmlformats.org/drawingml/2006/main" xmlns:r="http://schemas.openxmlformats.org/officeDocument/2006/relationships" xmlns:p="http://schemas.openxmlformats.org/presentationml/2006/main">
+  <p:cSld>
+    <p:spTree>
+      <p:nvGrpSpPr>
+        <p:cNvPr id="1" name=""/>
+        <p:cNvGrpSpPr/>
+        <p:nvPr/>
+      </p:nvGrpSpPr>
+      <p:grpSpPr>
+        <a:xfrm>
+          <a:off x="0" y="0"/>
+          <a:ext cx="0" cy="0"/>
+          <a:chOff x="0" y="0"/>
+          <a:chExt cx="0" cy="0"/>
+        </a:xfrm>
+      </p:grpSpPr>
+      <p:sp>
+        <p:nvSpPr>
+          <p:cNvPr id="2" name="제목 1">
+            <a:extLst>
+              <a:ext uri="{FF2B5EF4-FFF2-40B4-BE49-F238E27FC236}">
+                <a16:creationId xmlns:a16="http://schemas.microsoft.com/office/drawing/2014/main" id="{3EEA63EC-9A9E-C471-DBBA-C880F8C3C16B}"/>
+              </a:ext>
+            </a:extLst>
+          </p:cNvPr>
+          <p:cNvSpPr>
+            <a:spLocks noGrp="1"/>
+          </p:cNvSpPr>
+          <p:nvPr>
+            <p:ph type="title"/>
+          </p:nvPr>
+        </p:nvSpPr>
+        <p:spPr/>
+        <p:txBody>
+          <a:bodyPr/>
+          <a:lstStyle/>
+          <a:p>
+            <a:r>
+              <a:rPr lang="en-US" altLang="ko-KR" dirty="0"/>
+              <a:t>6. </a:t>
+            </a:r>
+            <a:r>
+              <a:rPr lang="ko-KR" altLang="en-US" dirty="0"/>
+              <a:t>중신용자 대출 승인을 위한 잠재적 기준 제안</a:t>
+            </a:r>
+          </a:p>
+        </p:txBody>
+      </p:sp>
+      <p:sp>
+        <p:nvSpPr>
+          <p:cNvPr id="3" name="내용 개체 틀 2">
+            <a:extLst>
+              <a:ext uri="{FF2B5EF4-FFF2-40B4-BE49-F238E27FC236}">
+                <a16:creationId xmlns:a16="http://schemas.microsoft.com/office/drawing/2014/main" id="{F3F8367A-CDB0-E500-C70D-4943F1114B86}"/>
+              </a:ext>
+            </a:extLst>
+          </p:cNvPr>
+          <p:cNvSpPr>
+            <a:spLocks noGrp="1"/>
+          </p:cNvSpPr>
+          <p:nvPr>
+            <p:ph idx="1"/>
+          </p:nvPr>
+        </p:nvSpPr>
+        <p:spPr/>
+        <p:txBody>
+          <a:bodyPr/>
+          <a:lstStyle/>
+          <a:p>
+            <a:endParaRPr lang="ko-KR" altLang="en-US"/>
+          </a:p>
+        </p:txBody>
+      </p:sp>
+    </p:spTree>
+    <p:extLst>
+      <p:ext uri="{BB962C8B-B14F-4D97-AF65-F5344CB8AC3E}">
+        <p14:creationId xmlns:p14="http://schemas.microsoft.com/office/powerpoint/2010/main" val="2393789184"/>
       </p:ext>
     </p:extLst>
   </p:cSld>

--- a/개인고객 신용등급 산정 모델링.pptx
+++ b/개인고객 신용등급 산정 모델링.pptx
@@ -644,7 +644,47 @@
             </a:r>
             <a:r>
               <a:rPr lang="ko-KR" altLang="en-US" dirty="0"/>
-              <a:t>이 원인은 대출 규모의 연속 감소세 때문입니다</a:t>
+              <a:t>이는 특히 대출 규모의 연속 감소세 때문입니다</a:t>
+            </a:r>
+            <a:r>
+              <a:rPr lang="en-US" altLang="ko-KR" dirty="0"/>
+              <a:t>. (</a:t>
+            </a:r>
+            <a:r>
+              <a:rPr lang="ko-KR" altLang="en-US" dirty="0"/>
+              <a:t>그래프</a:t>
+            </a:r>
+            <a:r>
+              <a:rPr lang="en-US" altLang="ko-KR" dirty="0"/>
+              <a:t>)</a:t>
+            </a:r>
+            <a:r>
+              <a:rPr lang="ko-KR" altLang="en-US" dirty="0"/>
+              <a:t>시중은행 전체적으로 대출 규모가 감소하고 있습니다</a:t>
+            </a:r>
+            <a:r>
+              <a:rPr lang="en-US" altLang="ko-KR" dirty="0"/>
+              <a:t>.</a:t>
+            </a:r>
+            <a:r>
+              <a:rPr lang="ko-KR" altLang="en-US" dirty="0"/>
+              <a:t> </a:t>
+            </a:r>
+            <a:r>
+              <a:rPr lang="en-US" altLang="ko-KR" dirty="0"/>
+              <a:t>(</a:t>
+            </a:r>
+            <a:r>
+              <a:rPr lang="ko-KR" altLang="en-US" dirty="0"/>
+              <a:t>그래프</a:t>
+            </a:r>
+            <a:r>
+              <a:rPr lang="en-US" altLang="ko-KR" dirty="0"/>
+              <a:t>)</a:t>
+            </a:r>
+            <a:r>
+              <a:rPr lang="ko-KR" altLang="en-US" dirty="0"/>
+              <a:t>구체적으로 하나은행의 예대마진율도 연속 감소 추세를 보이고 있습니다</a:t>
             </a:r>
             <a:r>
               <a:rPr lang="en-US" altLang="ko-KR" dirty="0"/>
@@ -652,23 +692,79 @@
             </a:r>
             <a:r>
               <a:rPr lang="ko-KR" altLang="en-US" dirty="0"/>
-              <a:t>시중은행 전체적으로 대출 규모가 감소하고 있습니다</a:t>
-            </a:r>
-            <a:r>
-              <a:rPr lang="en-US" altLang="ko-KR"/>
-              <a:t>.</a:t>
-            </a:r>
-            <a:r>
-              <a:rPr lang="ko-KR" altLang="en-US"/>
-              <a:t> 구체적으로 하나은행의 </a:t>
+              <a:t>이러한 가운데 인터넷 뱅크는 전통 금융권에서 등한시한 </a:t>
+            </a:r>
+            <a:r>
+              <a:rPr lang="ko-KR" altLang="en-US" dirty="0" err="1"/>
+              <a:t>중저신용자</a:t>
             </a:r>
             <a:r>
               <a:rPr lang="ko-KR" altLang="en-US" dirty="0"/>
-              <a:t>예대마진율도 연속 감수 추세를 보이고 있습니다</a:t>
+              <a:t> 즉</a:t>
+            </a:r>
+            <a:r>
+              <a:rPr lang="en-US" altLang="ko-KR" dirty="0"/>
+              <a:t>, </a:t>
+            </a:r>
+            <a:r>
+              <a:rPr lang="ko-KR" altLang="en-US" dirty="0" err="1"/>
+              <a:t>그레이존</a:t>
+            </a:r>
+            <a:r>
+              <a:rPr lang="ko-KR" altLang="en-US" dirty="0"/>
+              <a:t> 고객에게 공격적으로 대출 마케팅을 선보이며 파이를 가져가고 있습니다</a:t>
             </a:r>
             <a:r>
               <a:rPr lang="en-US" altLang="ko-KR" dirty="0"/>
               <a:t>. </a:t>
+            </a:r>
+            <a:r>
+              <a:rPr lang="ko-KR" altLang="en-US" dirty="0"/>
+              <a:t>이에 전통 금융권에서도 보다 더 정확한 신용등급 조회로 </a:t>
+            </a:r>
+            <a:r>
+              <a:rPr lang="ko-KR" altLang="en-US" dirty="0" err="1"/>
+              <a:t>대출디폴트</a:t>
+            </a:r>
+            <a:r>
+              <a:rPr lang="ko-KR" altLang="en-US" dirty="0"/>
+              <a:t> 리스크를 </a:t>
+            </a:r>
+            <a:r>
+              <a:rPr lang="ko-KR" altLang="en-US" dirty="0" err="1"/>
+              <a:t>줄여야할</a:t>
+            </a:r>
+            <a:r>
+              <a:rPr lang="ko-KR" altLang="en-US" dirty="0"/>
+              <a:t> 뿐만 아니라</a:t>
+            </a:r>
+            <a:r>
+              <a:rPr lang="en-US" altLang="ko-KR" dirty="0"/>
+              <a:t>, </a:t>
+            </a:r>
+            <a:r>
+              <a:rPr lang="ko-KR" altLang="en-US" dirty="0"/>
+              <a:t>이러한 </a:t>
+            </a:r>
+            <a:r>
+              <a:rPr lang="ko-KR" altLang="en-US" dirty="0" err="1"/>
+              <a:t>중저신용자인</a:t>
+            </a:r>
+            <a:r>
+              <a:rPr lang="ko-KR" altLang="en-US" dirty="0"/>
+              <a:t> </a:t>
+            </a:r>
+            <a:r>
+              <a:rPr lang="ko-KR" altLang="en-US" dirty="0" err="1"/>
+              <a:t>그레이존</a:t>
+            </a:r>
+            <a:r>
+              <a:rPr lang="ko-KR" altLang="en-US" dirty="0"/>
+              <a:t> 고객들 중에서도 신용위험이 적은 고객을 골라내어 적극적으로 대출 마케팅을 펼쳐야 할 필요성이 생겼습니다</a:t>
+            </a:r>
+            <a:r>
+              <a:rPr lang="en-US" altLang="ko-KR" dirty="0"/>
+              <a:t>.</a:t>
             </a:r>
             <a:endParaRPr lang="ko-KR" altLang="en-US" dirty="0"/>
           </a:p>
@@ -701,6 +797,122 @@
     <p:extLst>
       <p:ext uri="{BB962C8B-B14F-4D97-AF65-F5344CB8AC3E}">
         <p14:creationId xmlns:p14="http://schemas.microsoft.com/office/powerpoint/2010/main" val="3293035548"/>
+      </p:ext>
+    </p:extLst>
+  </p:cSld>
+  <p:clrMapOvr>
+    <a:masterClrMapping/>
+  </p:clrMapOvr>
+</p:notes>
+</file>
+
+<file path=ppt/notesSlides/notesSlide3.xml><?xml version="1.0" encoding="utf-8"?>
+<p:notes xmlns:a="http://schemas.openxmlformats.org/drawingml/2006/main" xmlns:r="http://schemas.openxmlformats.org/officeDocument/2006/relationships" xmlns:p="http://schemas.openxmlformats.org/presentationml/2006/main">
+  <p:cSld>
+    <p:spTree>
+      <p:nvGrpSpPr>
+        <p:cNvPr id="1" name=""/>
+        <p:cNvGrpSpPr/>
+        <p:nvPr/>
+      </p:nvGrpSpPr>
+      <p:grpSpPr>
+        <a:xfrm>
+          <a:off x="0" y="0"/>
+          <a:ext cx="0" cy="0"/>
+          <a:chOff x="0" y="0"/>
+          <a:chExt cx="0" cy="0"/>
+        </a:xfrm>
+      </p:grpSpPr>
+      <p:sp>
+        <p:nvSpPr>
+          <p:cNvPr id="2" name="슬라이드 이미지 개체 틀 1"/>
+          <p:cNvSpPr>
+            <a:spLocks noGrp="1" noRot="1" noChangeAspect="1"/>
+          </p:cNvSpPr>
+          <p:nvPr>
+            <p:ph type="sldImg"/>
+          </p:nvPr>
+        </p:nvSpPr>
+        <p:spPr/>
+      </p:sp>
+      <p:sp>
+        <p:nvSpPr>
+          <p:cNvPr id="3" name="슬라이드 노트 개체 틀 2"/>
+          <p:cNvSpPr>
+            <a:spLocks noGrp="1"/>
+          </p:cNvSpPr>
+          <p:nvPr>
+            <p:ph type="body" idx="1"/>
+          </p:nvPr>
+        </p:nvSpPr>
+        <p:spPr/>
+        <p:txBody>
+          <a:bodyPr/>
+          <a:lstStyle/>
+          <a:p>
+            <a:r>
+              <a:rPr lang="en-US" altLang="ko-KR" dirty="0"/>
+              <a:t> </a:t>
+            </a:r>
+            <a:r>
+              <a:rPr lang="ko-KR" altLang="en-US" dirty="0"/>
+              <a:t>앞서 말씀드린 더 정확한 개인 신용등급의 산정과 더 나아가서 </a:t>
+            </a:r>
+            <a:r>
+              <a:rPr lang="en-US" altLang="ko-KR"/>
+              <a:t>(</a:t>
+            </a:r>
+            <a:r>
+              <a:rPr lang="ko-KR" altLang="en-US"/>
+              <a:t>중신용자의 </a:t>
+            </a:r>
+            <a:r>
+              <a:rPr lang="ko-KR" altLang="en-US" dirty="0"/>
+              <a:t>새로운 대출 기준</a:t>
+            </a:r>
+            <a:r>
+              <a:rPr lang="en-US" altLang="ko-KR" dirty="0"/>
+              <a:t>? </a:t>
+            </a:r>
+            <a:r>
+              <a:rPr lang="ko-KR" altLang="en-US" dirty="0"/>
+              <a:t>세부적 신용등급</a:t>
+            </a:r>
+            <a:r>
+              <a:rPr lang="en-US" altLang="ko-KR" dirty="0"/>
+              <a:t>?)</a:t>
+            </a:r>
+            <a:endParaRPr lang="ko-KR" altLang="en-US" dirty="0"/>
+          </a:p>
+        </p:txBody>
+      </p:sp>
+      <p:sp>
+        <p:nvSpPr>
+          <p:cNvPr id="4" name="슬라이드 번호 개체 틀 3"/>
+          <p:cNvSpPr>
+            <a:spLocks noGrp="1"/>
+          </p:cNvSpPr>
+          <p:nvPr>
+            <p:ph type="sldNum" sz="quarter" idx="5"/>
+          </p:nvPr>
+        </p:nvSpPr>
+        <p:spPr/>
+        <p:txBody>
+          <a:bodyPr/>
+          <a:lstStyle/>
+          <a:p>
+            <a:fld id="{AECE734F-E196-4F31-AFED-17688B895D37}" type="slidenum">
+              <a:rPr lang="ko-KR" altLang="en-US" smtClean="0"/>
+              <a:t>3</a:t>
+            </a:fld>
+            <a:endParaRPr lang="ko-KR" altLang="en-US"/>
+          </a:p>
+        </p:txBody>
+      </p:sp>
+    </p:spTree>
+    <p:extLst>
+      <p:ext uri="{BB962C8B-B14F-4D97-AF65-F5344CB8AC3E}">
+        <p14:creationId xmlns:p14="http://schemas.microsoft.com/office/powerpoint/2010/main" val="2287352362"/>
       </p:ext>
     </p:extLst>
   </p:cSld>
@@ -3980,11 +4192,15 @@
           <a:p>
             <a:r>
               <a:rPr lang="ko-KR" altLang="en-US" dirty="0"/>
-              <a:t>중신용자 대출승인을 잠재기준 제안을 통한</a:t>
+              <a:t>중신용자 대출승인을 위한 잠재기준 제안</a:t>
             </a:r>
             <a:endParaRPr lang="en-US" altLang="ko-KR" dirty="0"/>
           </a:p>
           <a:p>
+            <a:r>
+              <a:rPr lang="en-US" altLang="ko-KR" dirty="0"/>
+              <a:t>(</a:t>
+            </a:r>
             <a:r>
               <a:rPr lang="ko-KR" altLang="en-US" dirty="0" err="1"/>
               <a:t>그레이존</a:t>
@@ -3993,6 +4209,11 @@
               <a:rPr lang="ko-KR" altLang="en-US" dirty="0"/>
               <a:t> 공략 전략</a:t>
             </a:r>
+            <a:r>
+              <a:rPr lang="en-US" altLang="ko-KR" dirty="0"/>
+              <a:t>)</a:t>
+            </a:r>
+            <a:endParaRPr lang="ko-KR" altLang="en-US" dirty="0"/>
           </a:p>
         </p:txBody>
       </p:sp>
@@ -4294,6 +4515,36 @@
           </a:p>
         </p:txBody>
       </p:sp>
+      <p:pic>
+        <p:nvPicPr>
+          <p:cNvPr id="5" name="그림 4">
+            <a:extLst>
+              <a:ext uri="{FF2B5EF4-FFF2-40B4-BE49-F238E27FC236}">
+                <a16:creationId xmlns:a16="http://schemas.microsoft.com/office/drawing/2014/main" id="{938DDAA0-80BF-843C-1C8C-AE6DF5C347E0}"/>
+              </a:ext>
+            </a:extLst>
+          </p:cNvPr>
+          <p:cNvPicPr>
+            <a:picLocks noChangeAspect="1"/>
+          </p:cNvPicPr>
+          <p:nvPr/>
+        </p:nvPicPr>
+        <p:blipFill>
+          <a:blip r:embed="rId3"/>
+          <a:stretch>
+            <a:fillRect/>
+          </a:stretch>
+        </p:blipFill>
+        <p:spPr>
+          <a:xfrm>
+            <a:off x="838200" y="1690688"/>
+            <a:ext cx="8931414" cy="4099915"/>
+          </a:xfrm>
+          <a:prstGeom prst="rect">
+            <a:avLst/>
+          </a:prstGeom>
+        </p:spPr>
+      </p:pic>
     </p:spTree>
     <p:extLst>
       <p:ext uri="{BB962C8B-B14F-4D97-AF65-F5344CB8AC3E}">

--- a/개인고객 신용등급 산정 모델링.pptx
+++ b/개인고객 신용등급 산정 모델링.pptx
@@ -5,11 +5,11 @@
     <p:sldMasterId id="2147483648" r:id="rId1"/>
   </p:sldMasterIdLst>
   <p:notesMasterIdLst>
-    <p:notesMasterId r:id="rId11"/>
+    <p:notesMasterId r:id="rId14"/>
   </p:notesMasterIdLst>
   <p:sldIdLst>
     <p:sldId id="256" r:id="rId2"/>
-    <p:sldId id="260" r:id="rId3"/>
+    <p:sldId id="266" r:id="rId3"/>
     <p:sldId id="257" r:id="rId4"/>
     <p:sldId id="258" r:id="rId5"/>
     <p:sldId id="259" r:id="rId6"/>
@@ -17,6 +17,9 @@
     <p:sldId id="261" r:id="rId8"/>
     <p:sldId id="263" r:id="rId9"/>
     <p:sldId id="264" r:id="rId10"/>
+    <p:sldId id="267" r:id="rId11"/>
+    <p:sldId id="268" r:id="rId12"/>
+    <p:sldId id="269" r:id="rId13"/>
   </p:sldIdLst>
   <p:sldSz cx="12192000" cy="6858000"/>
   <p:notesSz cx="6858000" cy="9144000"/>
@@ -634,6 +637,23 @@
           <a:bodyPr/>
           <a:lstStyle/>
           <a:p>
+            <a:pPr marL="0" marR="0" lvl="0" indent="0" algn="l" defTabSz="914400" rtl="0" eaLnBrk="1" fontAlgn="auto" latinLnBrk="1" hangingPunct="1">
+              <a:lnSpc>
+                <a:spcPct val="100000"/>
+              </a:lnSpc>
+              <a:spcBef>
+                <a:spcPts val="0"/>
+              </a:spcBef>
+              <a:spcAft>
+                <a:spcPts val="0"/>
+              </a:spcAft>
+              <a:buClrTx/>
+              <a:buSzTx/>
+              <a:buFontTx/>
+              <a:buNone/>
+              <a:tabLst/>
+              <a:defRPr/>
+            </a:pPr>
             <a:r>
               <a:rPr lang="ko-KR" altLang="en-US" dirty="0"/>
               <a:t>은행의 주요 수익원인 예대마진율이 연속 감소 추이를 보이고 있습니다</a:t>
@@ -761,6 +781,30 @@
             <a:r>
               <a:rPr lang="ko-KR" altLang="en-US" dirty="0"/>
               <a:t> 고객들 중에서도 신용위험이 적은 고객을 골라내어 적극적으로 대출 마케팅을 펼쳐야 할 필요성이 생겼습니다</a:t>
+            </a:r>
+            <a:r>
+              <a:rPr lang="en-US" altLang="ko-KR" dirty="0"/>
+              <a:t>. </a:t>
+            </a:r>
+            <a:r>
+              <a:rPr lang="ko-KR" altLang="en-US" dirty="0"/>
+              <a:t>따라서 본 프로젝트에서 정확한 대출 등급 산정하는 모델링과 </a:t>
+            </a:r>
+            <a:r>
+              <a:rPr lang="ko-KR" altLang="en-US" dirty="0" err="1"/>
+              <a:t>중저신용자인</a:t>
+            </a:r>
+            <a:r>
+              <a:rPr lang="ko-KR" altLang="en-US" dirty="0"/>
+              <a:t> </a:t>
+            </a:r>
+            <a:r>
+              <a:rPr lang="ko-KR" altLang="en-US" dirty="0" err="1"/>
+              <a:t>그레이존</a:t>
+            </a:r>
+            <a:r>
+              <a:rPr lang="ko-KR" altLang="en-US" dirty="0"/>
+              <a:t> 고객에게 기존신용등급 이외에 기준을 제안하고자 합니다</a:t>
             </a:r>
             <a:r>
               <a:rPr lang="en-US" altLang="ko-KR" dirty="0"/>
@@ -796,7 +840,7 @@
     </p:spTree>
     <p:extLst>
       <p:ext uri="{BB962C8B-B14F-4D97-AF65-F5344CB8AC3E}">
-        <p14:creationId xmlns:p14="http://schemas.microsoft.com/office/powerpoint/2010/main" val="3293035548"/>
+        <p14:creationId xmlns:p14="http://schemas.microsoft.com/office/powerpoint/2010/main" val="1536160597"/>
       </p:ext>
     </p:extLst>
   </p:cSld>
@@ -859,16 +903,12 @@
               <a:t>앞서 말씀드린 더 정확한 개인 신용등급의 산정과 더 나아가서 </a:t>
             </a:r>
             <a:r>
-              <a:rPr lang="en-US" altLang="ko-KR"/>
+              <a:rPr lang="en-US" altLang="ko-KR" dirty="0"/>
               <a:t>(</a:t>
             </a:r>
             <a:r>
-              <a:rPr lang="ko-KR" altLang="en-US"/>
-              <a:t>중신용자의 </a:t>
-            </a:r>
-            <a:r>
-              <a:rPr lang="ko-KR" altLang="en-US" dirty="0"/>
-              <a:t>새로운 대출 기준</a:t>
+              <a:rPr lang="ko-KR" altLang="en-US" dirty="0"/>
+              <a:t>중신용자의 새로운 대출 기준</a:t>
             </a:r>
             <a:r>
               <a:rPr lang="en-US" altLang="ko-KR" dirty="0"/>
@@ -881,6 +921,86 @@
             <a:r>
               <a:rPr lang="en-US" altLang="ko-KR" dirty="0"/>
               <a:t>?)</a:t>
+            </a:r>
+            <a:r>
+              <a:rPr lang="ko-KR" altLang="en-US" dirty="0"/>
+              <a:t> 전략을 제공하기 위해서 다음과 같이 프로젝트를 진행하였습니다</a:t>
+            </a:r>
+            <a:r>
+              <a:rPr lang="en-US" altLang="ko-KR" dirty="0"/>
+              <a:t>. </a:t>
+            </a:r>
+            <a:r>
+              <a:rPr lang="ko-KR" altLang="en-US" dirty="0"/>
+              <a:t>데이터 탐색 </a:t>
+            </a:r>
+            <a:r>
+              <a:rPr lang="en-US" altLang="ko-KR" dirty="0"/>
+              <a:t>=&gt; </a:t>
+            </a:r>
+            <a:r>
+              <a:rPr lang="ko-KR" altLang="en-US" dirty="0"/>
+              <a:t>데이터 </a:t>
+            </a:r>
+            <a:r>
+              <a:rPr lang="ko-KR" altLang="en-US" dirty="0" err="1"/>
+              <a:t>전처리</a:t>
+            </a:r>
+            <a:r>
+              <a:rPr lang="ko-KR" altLang="en-US" dirty="0"/>
+              <a:t> </a:t>
+            </a:r>
+            <a:r>
+              <a:rPr lang="en-US" altLang="ko-KR" dirty="0"/>
+              <a:t>=&gt; </a:t>
+            </a:r>
+            <a:r>
+              <a:rPr lang="ko-KR" altLang="en-US" dirty="0"/>
+              <a:t>모델링 </a:t>
+            </a:r>
+            <a:r>
+              <a:rPr lang="en-US" altLang="ko-KR" dirty="0"/>
+              <a:t>=&gt; 3</a:t>
+            </a:r>
+            <a:r>
+              <a:rPr lang="ko-KR" altLang="en-US" dirty="0"/>
+              <a:t>가지 </a:t>
+            </a:r>
+            <a:r>
+              <a:rPr lang="en-US" altLang="ko-KR" dirty="0"/>
+              <a:t>class </a:t>
+            </a:r>
+            <a:r>
+              <a:rPr lang="ko-KR" altLang="en-US" dirty="0"/>
+              <a:t>등급 산정 </a:t>
+            </a:r>
+            <a:r>
+              <a:rPr lang="en-US" altLang="ko-KR" dirty="0"/>
+              <a:t>=&gt; </a:t>
+            </a:r>
+            <a:r>
+              <a:rPr lang="ko-KR" altLang="en-US" dirty="0"/>
+              <a:t>클러스터링</a:t>
+            </a:r>
+            <a:r>
+              <a:rPr lang="en-US" altLang="ko-KR" dirty="0"/>
+              <a:t>()</a:t>
+            </a:r>
+            <a:r>
+              <a:rPr lang="ko-KR" altLang="en-US" dirty="0"/>
+              <a:t> </a:t>
+            </a:r>
+            <a:r>
+              <a:rPr lang="en-US" altLang="ko-KR" dirty="0"/>
+              <a:t>=&gt; </a:t>
+            </a:r>
+            <a:r>
+              <a:rPr lang="ko-KR" altLang="en-US" dirty="0"/>
+              <a:t>중신용자를 위한 새로운 대출 잠재기준 제안 단계까지 진행하였습니다</a:t>
+            </a:r>
+            <a:r>
+              <a:rPr lang="en-US" altLang="ko-KR" dirty="0"/>
+              <a:t>.</a:t>
             </a:r>
             <a:endParaRPr lang="ko-KR" altLang="en-US" dirty="0"/>
           </a:p>
@@ -4230,6 +4350,336 @@
 </p:sld>
 </file>
 
+<file path=ppt/slides/slide10.xml><?xml version="1.0" encoding="utf-8"?>
+<p:sld xmlns:a="http://schemas.openxmlformats.org/drawingml/2006/main" xmlns:r="http://schemas.openxmlformats.org/officeDocument/2006/relationships" xmlns:p="http://schemas.openxmlformats.org/presentationml/2006/main">
+  <p:cSld>
+    <p:spTree>
+      <p:nvGrpSpPr>
+        <p:cNvPr id="1" name=""/>
+        <p:cNvGrpSpPr/>
+        <p:nvPr/>
+      </p:nvGrpSpPr>
+      <p:grpSpPr>
+        <a:xfrm>
+          <a:off x="0" y="0"/>
+          <a:ext cx="0" cy="0"/>
+          <a:chOff x="0" y="0"/>
+          <a:chExt cx="0" cy="0"/>
+        </a:xfrm>
+      </p:grpSpPr>
+      <p:sp>
+        <p:nvSpPr>
+          <p:cNvPr id="2" name="제목 1">
+            <a:extLst>
+              <a:ext uri="{FF2B5EF4-FFF2-40B4-BE49-F238E27FC236}">
+                <a16:creationId xmlns:a16="http://schemas.microsoft.com/office/drawing/2014/main" id="{3EEA63EC-9A9E-C471-DBBA-C880F8C3C16B}"/>
+              </a:ext>
+            </a:extLst>
+          </p:cNvPr>
+          <p:cNvSpPr>
+            <a:spLocks noGrp="1"/>
+          </p:cNvSpPr>
+          <p:nvPr>
+            <p:ph type="title"/>
+          </p:nvPr>
+        </p:nvSpPr>
+        <p:spPr/>
+        <p:txBody>
+          <a:bodyPr/>
+          <a:lstStyle/>
+          <a:p>
+            <a:r>
+              <a:rPr lang="en-US" altLang="ko-KR" dirty="0"/>
+              <a:t>6. </a:t>
+            </a:r>
+            <a:r>
+              <a:rPr lang="ko-KR" altLang="en-US" dirty="0"/>
+              <a:t>중신용자 대출 승인을 위한 잠재적 기준 제안</a:t>
+            </a:r>
+          </a:p>
+        </p:txBody>
+      </p:sp>
+      <p:sp>
+        <p:nvSpPr>
+          <p:cNvPr id="3" name="내용 개체 틀 2">
+            <a:extLst>
+              <a:ext uri="{FF2B5EF4-FFF2-40B4-BE49-F238E27FC236}">
+                <a16:creationId xmlns:a16="http://schemas.microsoft.com/office/drawing/2014/main" id="{F3F8367A-CDB0-E500-C70D-4943F1114B86}"/>
+              </a:ext>
+            </a:extLst>
+          </p:cNvPr>
+          <p:cNvSpPr>
+            <a:spLocks noGrp="1"/>
+          </p:cNvSpPr>
+          <p:nvPr>
+            <p:ph idx="1"/>
+          </p:nvPr>
+        </p:nvSpPr>
+        <p:spPr/>
+        <p:txBody>
+          <a:bodyPr/>
+          <a:lstStyle/>
+          <a:p>
+            <a:endParaRPr lang="ko-KR" altLang="en-US" dirty="0"/>
+          </a:p>
+        </p:txBody>
+      </p:sp>
+    </p:spTree>
+    <p:extLst>
+      <p:ext uri="{BB962C8B-B14F-4D97-AF65-F5344CB8AC3E}">
+        <p14:creationId xmlns:p14="http://schemas.microsoft.com/office/powerpoint/2010/main" val="2650871530"/>
+      </p:ext>
+    </p:extLst>
+  </p:cSld>
+  <p:clrMapOvr>
+    <a:masterClrMapping/>
+  </p:clrMapOvr>
+</p:sld>
+</file>
+
+<file path=ppt/slides/slide11.xml><?xml version="1.0" encoding="utf-8"?>
+<p:sld xmlns:a="http://schemas.openxmlformats.org/drawingml/2006/main" xmlns:r="http://schemas.openxmlformats.org/officeDocument/2006/relationships" xmlns:p="http://schemas.openxmlformats.org/presentationml/2006/main">
+  <p:cSld>
+    <p:spTree>
+      <p:nvGrpSpPr>
+        <p:cNvPr id="1" name=""/>
+        <p:cNvGrpSpPr/>
+        <p:nvPr/>
+      </p:nvGrpSpPr>
+      <p:grpSpPr>
+        <a:xfrm>
+          <a:off x="0" y="0"/>
+          <a:ext cx="0" cy="0"/>
+          <a:chOff x="0" y="0"/>
+          <a:chExt cx="0" cy="0"/>
+        </a:xfrm>
+      </p:grpSpPr>
+      <p:sp>
+        <p:nvSpPr>
+          <p:cNvPr id="2" name="제목 1">
+            <a:extLst>
+              <a:ext uri="{FF2B5EF4-FFF2-40B4-BE49-F238E27FC236}">
+                <a16:creationId xmlns:a16="http://schemas.microsoft.com/office/drawing/2014/main" id="{3EEA63EC-9A9E-C471-DBBA-C880F8C3C16B}"/>
+              </a:ext>
+            </a:extLst>
+          </p:cNvPr>
+          <p:cNvSpPr>
+            <a:spLocks noGrp="1"/>
+          </p:cNvSpPr>
+          <p:nvPr>
+            <p:ph type="title"/>
+          </p:nvPr>
+        </p:nvSpPr>
+        <p:spPr/>
+        <p:txBody>
+          <a:bodyPr/>
+          <a:lstStyle/>
+          <a:p>
+            <a:r>
+              <a:rPr lang="en-US" altLang="ko-KR" dirty="0"/>
+              <a:t>6. </a:t>
+            </a:r>
+            <a:r>
+              <a:rPr lang="ko-KR" altLang="en-US" dirty="0"/>
+              <a:t>중신용자 대출 승인을 위한 잠재적 기준 제안</a:t>
+            </a:r>
+          </a:p>
+        </p:txBody>
+      </p:sp>
+      <p:sp>
+        <p:nvSpPr>
+          <p:cNvPr id="3" name="내용 개체 틀 2">
+            <a:extLst>
+              <a:ext uri="{FF2B5EF4-FFF2-40B4-BE49-F238E27FC236}">
+                <a16:creationId xmlns:a16="http://schemas.microsoft.com/office/drawing/2014/main" id="{F3F8367A-CDB0-E500-C70D-4943F1114B86}"/>
+              </a:ext>
+            </a:extLst>
+          </p:cNvPr>
+          <p:cNvSpPr>
+            <a:spLocks noGrp="1"/>
+          </p:cNvSpPr>
+          <p:nvPr>
+            <p:ph idx="1"/>
+          </p:nvPr>
+        </p:nvSpPr>
+        <p:spPr/>
+        <p:txBody>
+          <a:bodyPr/>
+          <a:lstStyle/>
+          <a:p>
+            <a:endParaRPr lang="ko-KR" altLang="en-US" dirty="0"/>
+          </a:p>
+        </p:txBody>
+      </p:sp>
+    </p:spTree>
+    <p:extLst>
+      <p:ext uri="{BB962C8B-B14F-4D97-AF65-F5344CB8AC3E}">
+        <p14:creationId xmlns:p14="http://schemas.microsoft.com/office/powerpoint/2010/main" val="733208506"/>
+      </p:ext>
+    </p:extLst>
+  </p:cSld>
+  <p:clrMapOvr>
+    <a:masterClrMapping/>
+  </p:clrMapOvr>
+</p:sld>
+</file>
+
+<file path=ppt/slides/slide12.xml><?xml version="1.0" encoding="utf-8"?>
+<p:sld xmlns:a="http://schemas.openxmlformats.org/drawingml/2006/main" xmlns:r="http://schemas.openxmlformats.org/officeDocument/2006/relationships" xmlns:p="http://schemas.openxmlformats.org/presentationml/2006/main">
+  <p:cSld>
+    <p:spTree>
+      <p:nvGrpSpPr>
+        <p:cNvPr id="1" name=""/>
+        <p:cNvGrpSpPr/>
+        <p:nvPr/>
+      </p:nvGrpSpPr>
+      <p:grpSpPr>
+        <a:xfrm>
+          <a:off x="0" y="0"/>
+          <a:ext cx="0" cy="0"/>
+          <a:chOff x="0" y="0"/>
+          <a:chExt cx="0" cy="0"/>
+        </a:xfrm>
+      </p:grpSpPr>
+      <p:sp>
+        <p:nvSpPr>
+          <p:cNvPr id="2" name="제목 1">
+            <a:extLst>
+              <a:ext uri="{FF2B5EF4-FFF2-40B4-BE49-F238E27FC236}">
+                <a16:creationId xmlns:a16="http://schemas.microsoft.com/office/drawing/2014/main" id="{3EEA63EC-9A9E-C471-DBBA-C880F8C3C16B}"/>
+              </a:ext>
+            </a:extLst>
+          </p:cNvPr>
+          <p:cNvSpPr>
+            <a:spLocks noGrp="1"/>
+          </p:cNvSpPr>
+          <p:nvPr>
+            <p:ph type="title"/>
+          </p:nvPr>
+        </p:nvSpPr>
+        <p:spPr/>
+        <p:txBody>
+          <a:bodyPr/>
+          <a:lstStyle/>
+          <a:p>
+            <a:r>
+              <a:rPr lang="en-US" altLang="ko-KR" dirty="0"/>
+              <a:t>6-4. </a:t>
+            </a:r>
+            <a:r>
+              <a:rPr lang="ko-KR" altLang="en-US" dirty="0"/>
+              <a:t>시사점 및 기대효과</a:t>
+            </a:r>
+          </a:p>
+        </p:txBody>
+      </p:sp>
+      <p:sp>
+        <p:nvSpPr>
+          <p:cNvPr id="3" name="내용 개체 틀 2">
+            <a:extLst>
+              <a:ext uri="{FF2B5EF4-FFF2-40B4-BE49-F238E27FC236}">
+                <a16:creationId xmlns:a16="http://schemas.microsoft.com/office/drawing/2014/main" id="{F3F8367A-CDB0-E500-C70D-4943F1114B86}"/>
+              </a:ext>
+            </a:extLst>
+          </p:cNvPr>
+          <p:cNvSpPr>
+            <a:spLocks noGrp="1"/>
+          </p:cNvSpPr>
+          <p:nvPr>
+            <p:ph idx="1"/>
+          </p:nvPr>
+        </p:nvSpPr>
+        <p:spPr/>
+        <p:txBody>
+          <a:bodyPr/>
+          <a:lstStyle/>
+          <a:p>
+            <a:r>
+              <a:rPr lang="en-US" altLang="ko-KR" dirty="0"/>
+              <a:t>1. </a:t>
+            </a:r>
+            <a:r>
+              <a:rPr lang="ko-KR" altLang="en-US" dirty="0"/>
+              <a:t>정교한 신용등급분류 모델링으로 개인고객 디폴트 리스크 최소화</a:t>
+            </a:r>
+            <a:endParaRPr lang="en-US" altLang="ko-KR" dirty="0"/>
+          </a:p>
+          <a:p>
+            <a:r>
+              <a:rPr lang="en-US" altLang="ko-KR" dirty="0"/>
+              <a:t>2. </a:t>
+            </a:r>
+            <a:r>
+              <a:rPr lang="ko-KR" altLang="en-US" dirty="0" err="1"/>
+              <a:t>그레이존</a:t>
+            </a:r>
+            <a:r>
+              <a:rPr lang="ko-KR" altLang="en-US" dirty="0"/>
+              <a:t> 고객 대출 시사 기준을 재정립함으로써 디폴트 리스트를 최소화하면서 대출 규모 확대</a:t>
+            </a:r>
+            <a:endParaRPr lang="en-US" altLang="ko-KR" dirty="0"/>
+          </a:p>
+          <a:p>
+            <a:r>
+              <a:rPr lang="en-US" altLang="ko-KR" dirty="0"/>
+              <a:t>3. </a:t>
+            </a:r>
+            <a:r>
+              <a:rPr lang="ko-KR" altLang="en-US" dirty="0"/>
+              <a:t>대출 규모는 </a:t>
+            </a:r>
+            <a:r>
+              <a:rPr lang="ko-KR" altLang="en-US" dirty="0" err="1"/>
+              <a:t>증대시키면서</a:t>
+            </a:r>
+            <a:r>
+              <a:rPr lang="ko-KR" altLang="en-US" dirty="0"/>
+              <a:t> </a:t>
+            </a:r>
+            <a:r>
+              <a:rPr lang="ko-KR" altLang="en-US" dirty="0" err="1"/>
+              <a:t>디폴트리스크는</a:t>
+            </a:r>
+            <a:r>
+              <a:rPr lang="ko-KR" altLang="en-US" dirty="0"/>
+              <a:t> 낮춰 주요 </a:t>
+            </a:r>
+            <a:r>
+              <a:rPr lang="ko-KR" altLang="en-US" dirty="0" err="1"/>
+              <a:t>수익원</a:t>
+            </a:r>
+            <a:r>
+              <a:rPr lang="ko-KR" altLang="en-US" dirty="0"/>
+              <a:t> 개선 효과</a:t>
+            </a:r>
+            <a:endParaRPr lang="en-US" altLang="ko-KR" dirty="0"/>
+          </a:p>
+          <a:p>
+            <a:r>
+              <a:rPr lang="en-US" altLang="ko-KR" dirty="0"/>
+              <a:t>4. </a:t>
+            </a:r>
+            <a:r>
+              <a:rPr lang="ko-KR" altLang="en-US"/>
+              <a:t>향후 비재무적 정보와 결합하여 </a:t>
+            </a:r>
+            <a:endParaRPr lang="ko-KR" altLang="en-US" dirty="0"/>
+          </a:p>
+        </p:txBody>
+      </p:sp>
+    </p:spTree>
+    <p:extLst>
+      <p:ext uri="{BB962C8B-B14F-4D97-AF65-F5344CB8AC3E}">
+        <p14:creationId xmlns:p14="http://schemas.microsoft.com/office/powerpoint/2010/main" val="2099856888"/>
+      </p:ext>
+    </p:extLst>
+  </p:cSld>
+  <p:clrMapOvr>
+    <a:masterClrMapping/>
+  </p:clrMapOvr>
+</p:sld>
+</file>
+
 <file path=ppt/slides/slide2.xml><?xml version="1.0" encoding="utf-8"?>
 <p:sld xmlns:a="http://schemas.openxmlformats.org/drawingml/2006/main" xmlns:r="http://schemas.openxmlformats.org/officeDocument/2006/relationships" xmlns:p="http://schemas.openxmlformats.org/presentationml/2006/main">
   <p:cSld>
@@ -4249,10 +4699,10 @@
       </p:grpSpPr>
       <p:sp>
         <p:nvSpPr>
-          <p:cNvPr id="2" name="제목 1">
-            <a:extLst>
-              <a:ext uri="{FF2B5EF4-FFF2-40B4-BE49-F238E27FC236}">
-                <a16:creationId xmlns:a16="http://schemas.microsoft.com/office/drawing/2014/main" id="{35F2A1A5-0CD5-EB1C-D9E5-24606A360813}"/>
+          <p:cNvPr id="5" name="제목 4">
+            <a:extLst>
+              <a:ext uri="{FF2B5EF4-FFF2-40B4-BE49-F238E27FC236}">
+                <a16:creationId xmlns:a16="http://schemas.microsoft.com/office/drawing/2014/main" id="{7C3994D3-B8C6-59C5-4273-D16457659DDD}"/>
               </a:ext>
             </a:extLst>
           </p:cNvPr>
@@ -4277,152 +4727,130 @@
       </p:sp>
       <p:sp>
         <p:nvSpPr>
-          <p:cNvPr id="3" name="내용 개체 틀 2">
-            <a:extLst>
-              <a:ext uri="{FF2B5EF4-FFF2-40B4-BE49-F238E27FC236}">
-                <a16:creationId xmlns:a16="http://schemas.microsoft.com/office/drawing/2014/main" id="{42777AA2-5C8D-0285-FB5A-75B279C0D705}"/>
-              </a:ext>
-            </a:extLst>
-          </p:cNvPr>
-          <p:cNvSpPr>
-            <a:spLocks noGrp="1"/>
-          </p:cNvSpPr>
-          <p:nvPr>
-            <p:ph sz="half" idx="1"/>
-          </p:nvPr>
-        </p:nvSpPr>
-        <p:spPr/>
-        <p:txBody>
-          <a:bodyPr/>
-          <a:lstStyle/>
-          <a:p>
-            <a:r>
-              <a:rPr lang="ko-KR" altLang="en-US" dirty="0"/>
-              <a:t>은행 대출 규모 연속 감소 추이</a:t>
-            </a:r>
-            <a:endParaRPr lang="en-US" altLang="ko-KR" dirty="0"/>
-          </a:p>
-          <a:p>
-            <a:r>
-              <a:rPr lang="ko-KR" altLang="en-US" dirty="0"/>
-              <a:t>그래프</a:t>
-            </a:r>
-            <a:r>
-              <a:rPr lang="en-US" altLang="ko-KR" dirty="0"/>
-              <a:t>(</a:t>
-            </a:r>
-            <a:r>
-              <a:rPr lang="ko-KR" altLang="en-US" dirty="0"/>
-              <a:t>하나은행</a:t>
-            </a:r>
-            <a:r>
-              <a:rPr lang="en-US" altLang="ko-KR" dirty="0"/>
-              <a:t>)</a:t>
-            </a:r>
-          </a:p>
-          <a:p>
-            <a:r>
-              <a:rPr lang="ko-KR" altLang="en-US" dirty="0"/>
-              <a:t>그래프</a:t>
-            </a:r>
-            <a:r>
-              <a:rPr lang="en-US" altLang="ko-KR" dirty="0"/>
-              <a:t>(</a:t>
-            </a:r>
-            <a:r>
-              <a:rPr lang="ko-KR" altLang="en-US" dirty="0"/>
-              <a:t>대출 감소 추이</a:t>
-            </a:r>
-            <a:r>
-              <a:rPr lang="en-US" altLang="ko-KR" dirty="0"/>
-              <a:t>)</a:t>
-            </a:r>
-            <a:endParaRPr lang="ko-KR" altLang="en-US" dirty="0"/>
-          </a:p>
-        </p:txBody>
-      </p:sp>
-      <p:sp>
-        <p:nvSpPr>
-          <p:cNvPr id="4" name="내용 개체 틀 3">
-            <a:extLst>
-              <a:ext uri="{FF2B5EF4-FFF2-40B4-BE49-F238E27FC236}">
-                <a16:creationId xmlns:a16="http://schemas.microsoft.com/office/drawing/2014/main" id="{45B4AFEC-D85B-9F25-817D-79E01450B619}"/>
-              </a:ext>
-            </a:extLst>
-          </p:cNvPr>
-          <p:cNvSpPr>
-            <a:spLocks noGrp="1"/>
-          </p:cNvSpPr>
-          <p:nvPr>
-            <p:ph sz="half" idx="2"/>
-          </p:nvPr>
-        </p:nvSpPr>
-        <p:spPr/>
-        <p:txBody>
-          <a:bodyPr/>
-          <a:lstStyle/>
-          <a:p>
-            <a:r>
-              <a:rPr lang="ko-KR" altLang="en-US" dirty="0"/>
-              <a:t>정확도 높은 신용등급 산정과 중신용자 공략 통해 </a:t>
-            </a:r>
-            <a:r>
-              <a:rPr lang="en-US" altLang="ko-KR" dirty="0"/>
-              <a:t>=&gt; </a:t>
-            </a:r>
-            <a:r>
-              <a:rPr lang="ko-KR" altLang="en-US" dirty="0"/>
-              <a:t>은행 주요 </a:t>
-            </a:r>
-            <a:r>
-              <a:rPr lang="en-US" altLang="ko-KR" dirty="0"/>
-              <a:t>BM (</a:t>
-            </a:r>
-            <a:r>
-              <a:rPr lang="ko-KR" altLang="en-US" dirty="0"/>
-              <a:t>예대마진율</a:t>
-            </a:r>
-            <a:r>
-              <a:rPr lang="en-US" altLang="ko-KR" dirty="0"/>
-              <a:t>) </a:t>
-            </a:r>
-            <a:r>
-              <a:rPr lang="ko-KR" altLang="en-US" dirty="0"/>
-              <a:t>개선 </a:t>
-            </a:r>
-            <a:r>
-              <a:rPr lang="en-US" altLang="ko-KR" dirty="0"/>
-              <a:t>&amp; </a:t>
-            </a:r>
-            <a:r>
-              <a:rPr lang="ko-KR" altLang="en-US" dirty="0"/>
-              <a:t>개인 채무 불이행 리스크 최소화</a:t>
-            </a:r>
-            <a:r>
-              <a:rPr lang="en-US" altLang="ko-KR" dirty="0"/>
+          <p:cNvPr id="6" name="내용 개체 틀 5">
+            <a:extLst>
+              <a:ext uri="{FF2B5EF4-FFF2-40B4-BE49-F238E27FC236}">
+                <a16:creationId xmlns:a16="http://schemas.microsoft.com/office/drawing/2014/main" id="{B2959882-A033-F2A6-42C7-8CD5E3435AE1}"/>
+              </a:ext>
+            </a:extLst>
+          </p:cNvPr>
+          <p:cNvSpPr>
+            <a:spLocks noGrp="1"/>
+          </p:cNvSpPr>
+          <p:nvPr>
+            <p:ph idx="1"/>
+          </p:nvPr>
+        </p:nvSpPr>
+        <p:spPr/>
+        <p:txBody>
+          <a:bodyPr>
+            <a:normAutofit/>
+          </a:bodyPr>
+          <a:lstStyle/>
+          <a:p>
+            <a:r>
+              <a:rPr lang="ko-KR" altLang="en-US" sz="1600" dirty="0" err="1"/>
+              <a:t>그레이존</a:t>
+            </a:r>
+            <a:r>
+              <a:rPr lang="ko-KR" altLang="en-US" sz="1600" dirty="0"/>
+              <a:t> 고객은</a:t>
+            </a:r>
+            <a:r>
+              <a:rPr lang="en-US" altLang="ko-KR" sz="1600" dirty="0"/>
               <a:t> </a:t>
             </a:r>
-          </a:p>
-          <a:p>
-            <a:r>
-              <a:rPr lang="ko-KR" altLang="en-US" dirty="0"/>
-              <a:t>인터넷 뱅크의 </a:t>
-            </a:r>
-            <a:r>
-              <a:rPr lang="ko-KR" altLang="en-US" dirty="0" err="1"/>
+            <a:r>
+              <a:rPr lang="ko-KR" altLang="en-US" sz="1600" dirty="0"/>
+              <a:t>개인고객 대출 심사 시에 신용등급이 중간 혹은 낮은 등급인 </a:t>
+            </a:r>
+            <a:r>
+              <a:rPr lang="ko-KR" altLang="en-US" sz="1600" dirty="0" err="1"/>
+              <a:t>중저신용자를</a:t>
+            </a:r>
+            <a:r>
+              <a:rPr lang="ko-KR" altLang="en-US" sz="1600" dirty="0"/>
+              <a:t> 이르는 말 </a:t>
+            </a:r>
+            <a:endParaRPr lang="en-US" altLang="ko-KR" sz="1600" dirty="0"/>
+          </a:p>
+          <a:p>
+            <a:endParaRPr lang="en-US" altLang="ko-KR" sz="1600" dirty="0"/>
+          </a:p>
+          <a:p>
+            <a:r>
+              <a:rPr lang="ko-KR" altLang="en-US" sz="1600" dirty="0"/>
+              <a:t>최근 시중은행의 주요 수익원인 예대마진율이 연속 감소세 추이를 보이고 있으며</a:t>
+            </a:r>
+            <a:r>
+              <a:rPr lang="en-US" altLang="ko-KR" sz="1600" dirty="0"/>
+              <a:t>, </a:t>
+            </a:r>
+            <a:r>
+              <a:rPr lang="ko-KR" altLang="en-US" sz="1600" dirty="0"/>
+              <a:t>그 원인은 대출 규모의 연속 감소</a:t>
+            </a:r>
+            <a:endParaRPr lang="en-US" altLang="ko-KR" sz="1600" dirty="0"/>
+          </a:p>
+          <a:p>
+            <a:r>
+              <a:rPr lang="ko-KR" altLang="en-US" sz="1600" dirty="0"/>
+              <a:t>시중은행 최대 경쟁자인 인터넷 뱅크는 최근 </a:t>
+            </a:r>
+            <a:r>
+              <a:rPr lang="ko-KR" altLang="en-US" sz="1600" dirty="0" err="1"/>
               <a:t>그레이존</a:t>
             </a:r>
             <a:r>
-              <a:rPr lang="ko-KR" altLang="en-US" dirty="0"/>
-              <a:t> 해소</a:t>
-            </a:r>
+              <a:rPr lang="ko-KR" altLang="en-US" sz="1600" dirty="0"/>
+              <a:t> 고객을 공격적으로 </a:t>
+            </a:r>
+            <a:r>
+              <a:rPr lang="ko-KR" altLang="en-US" sz="1600" dirty="0" err="1"/>
+              <a:t>중저신용대출에</a:t>
+            </a:r>
+            <a:r>
+              <a:rPr lang="ko-KR" altLang="en-US" sz="1600" dirty="0"/>
+              <a:t> 끌어들이며</a:t>
+            </a:r>
+            <a:r>
+              <a:rPr lang="en-US" altLang="ko-KR" sz="1600" dirty="0"/>
+              <a:t>,</a:t>
+            </a:r>
+            <a:r>
+              <a:rPr lang="ko-KR" altLang="en-US" sz="1600" dirty="0"/>
+              <a:t> 고객 재원 확보와 수익성 개선을 동시에 </a:t>
+            </a:r>
+            <a:endParaRPr lang="en-US" altLang="ko-KR" sz="1600" dirty="0"/>
+          </a:p>
+          <a:p>
+            <a:endParaRPr lang="en-US" altLang="ko-KR" sz="1600" dirty="0"/>
+          </a:p>
+          <a:p>
+            <a:r>
+              <a:rPr lang="ko-KR" altLang="en-US" sz="1600" dirty="0"/>
+              <a:t>시중은행의 새로운 돌파구는 정확한 등급 산정으로 채무불이행 리스크 최소화와</a:t>
+            </a:r>
+            <a:r>
+              <a:rPr lang="en-US" altLang="ko-KR" sz="1600" dirty="0"/>
+              <a:t> </a:t>
+            </a:r>
+            <a:r>
+              <a:rPr lang="ko-KR" altLang="en-US" sz="1600" dirty="0" err="1"/>
+              <a:t>그레이존</a:t>
+            </a:r>
+            <a:r>
+              <a:rPr lang="ko-KR" altLang="en-US" sz="1600" dirty="0"/>
+              <a:t> 고객에게 대출상품 수익을 확대하는 것</a:t>
+            </a:r>
+            <a:endParaRPr lang="en-US" altLang="ko-KR" sz="1600" dirty="0"/>
           </a:p>
         </p:txBody>
       </p:sp>
     </p:spTree>
     <p:extLst>
       <p:ext uri="{BB962C8B-B14F-4D97-AF65-F5344CB8AC3E}">
-        <p14:creationId xmlns:p14="http://schemas.microsoft.com/office/powerpoint/2010/main" val="1736700832"/>
+        <p14:creationId xmlns:p14="http://schemas.microsoft.com/office/powerpoint/2010/main" val="648812046"/>
       </p:ext>
     </p:extLst>
   </p:cSld>
@@ -4472,46 +4900,187 @@
           <a:p>
             <a:r>
               <a:rPr lang="ko-KR" altLang="en-US" dirty="0"/>
-              <a:t>스토리보드 </a:t>
-            </a:r>
+              <a:t>프로젝트 구조</a:t>
+            </a:r>
+          </a:p>
+        </p:txBody>
+      </p:sp>
+      <p:sp>
+        <p:nvSpPr>
+          <p:cNvPr id="3" name="내용 개체 틀 2">
+            <a:extLst>
+              <a:ext uri="{FF2B5EF4-FFF2-40B4-BE49-F238E27FC236}">
+                <a16:creationId xmlns:a16="http://schemas.microsoft.com/office/drawing/2014/main" id="{80FF0932-6064-032A-07D9-FB6C8883EDAA}"/>
+              </a:ext>
+            </a:extLst>
+          </p:cNvPr>
+          <p:cNvSpPr>
+            <a:spLocks noGrp="1"/>
+          </p:cNvSpPr>
+          <p:nvPr>
+            <p:ph idx="1"/>
+          </p:nvPr>
+        </p:nvSpPr>
+        <p:spPr>
+          <a:xfrm>
+            <a:off x="838200" y="2997844"/>
+            <a:ext cx="10515600" cy="3495032"/>
+          </a:xfrm>
+        </p:spPr>
+        <p:txBody>
+          <a:bodyPr>
+            <a:normAutofit fontScale="92500"/>
+          </a:bodyPr>
+          <a:lstStyle/>
+          <a:p>
             <a:r>
               <a:rPr lang="en-US" altLang="ko-KR" dirty="0"/>
-              <a:t>? </a:t>
-            </a:r>
-            <a:r>
-              <a:rPr lang="ko-KR" altLang="en-US" dirty="0"/>
-              <a:t>프로젝트 구조 </a:t>
+              <a:t>EDA : </a:t>
+            </a:r>
+            <a:r>
+              <a:rPr lang="ko-KR" altLang="en-US" dirty="0"/>
+              <a:t>탐색적 데이터 분석 실행</a:t>
+            </a:r>
+            <a:endParaRPr lang="en-US" altLang="ko-KR" dirty="0"/>
+          </a:p>
+          <a:p>
+            <a:r>
+              <a:rPr lang="ko-KR" altLang="en-US" dirty="0"/>
+              <a:t>데이터</a:t>
             </a:r>
             <a:r>
               <a:rPr lang="en-US" altLang="ko-KR" dirty="0"/>
-              <a:t>?</a:t>
-            </a:r>
-            <a:endParaRPr lang="ko-KR" altLang="en-US" dirty="0"/>
-          </a:p>
-        </p:txBody>
-      </p:sp>
-      <p:sp>
-        <p:nvSpPr>
-          <p:cNvPr id="3" name="내용 개체 틀 2">
-            <a:extLst>
-              <a:ext uri="{FF2B5EF4-FFF2-40B4-BE49-F238E27FC236}">
-                <a16:creationId xmlns:a16="http://schemas.microsoft.com/office/drawing/2014/main" id="{80FF0932-6064-032A-07D9-FB6C8883EDAA}"/>
-              </a:ext>
-            </a:extLst>
-          </p:cNvPr>
-          <p:cNvSpPr>
-            <a:spLocks noGrp="1"/>
-          </p:cNvSpPr>
-          <p:nvPr>
-            <p:ph idx="1"/>
-          </p:nvPr>
-        </p:nvSpPr>
-        <p:spPr/>
-        <p:txBody>
-          <a:bodyPr/>
-          <a:lstStyle/>
-          <a:p>
-            <a:endParaRPr lang="ko-KR" altLang="en-US"/>
+              <a:t> </a:t>
+            </a:r>
+            <a:r>
+              <a:rPr lang="ko-KR" altLang="en-US" dirty="0" err="1"/>
+              <a:t>전처리</a:t>
+            </a:r>
+            <a:r>
+              <a:rPr lang="ko-KR" altLang="en-US" dirty="0"/>
+              <a:t> </a:t>
+            </a:r>
+            <a:r>
+              <a:rPr lang="en-US" altLang="ko-KR" dirty="0"/>
+              <a:t>: </a:t>
+            </a:r>
+            <a:r>
+              <a:rPr lang="ko-KR" altLang="en-US" dirty="0" err="1"/>
+              <a:t>오류값과</a:t>
+            </a:r>
+            <a:r>
+              <a:rPr lang="ko-KR" altLang="en-US" dirty="0"/>
+              <a:t> </a:t>
+            </a:r>
+            <a:r>
+              <a:rPr lang="ko-KR" altLang="en-US" dirty="0" err="1"/>
+              <a:t>결측치</a:t>
+            </a:r>
+            <a:r>
+              <a:rPr lang="ko-KR" altLang="en-US" dirty="0"/>
+              <a:t> 및 이상치에 대해 </a:t>
+            </a:r>
+            <a:r>
+              <a:rPr lang="ko-KR" altLang="en-US" dirty="0" err="1"/>
+              <a:t>전처리</a:t>
+            </a:r>
+            <a:endParaRPr lang="en-US" altLang="ko-KR" dirty="0"/>
+          </a:p>
+          <a:p>
+            <a:r>
+              <a:rPr lang="ko-KR" altLang="en-US" dirty="0"/>
+              <a:t>모델링 </a:t>
+            </a:r>
+            <a:r>
+              <a:rPr lang="en-US" altLang="ko-KR" dirty="0"/>
+              <a:t>: </a:t>
+            </a:r>
+            <a:r>
+              <a:rPr lang="ko-KR" altLang="en-US" dirty="0"/>
+              <a:t>신용등급 분류 모델</a:t>
+            </a:r>
+            <a:r>
+              <a:rPr lang="en-US" altLang="ko-KR" dirty="0"/>
+              <a:t>, </a:t>
+            </a:r>
+            <a:r>
+              <a:rPr lang="ko-KR" altLang="en-US" dirty="0"/>
+              <a:t>불균형 데이터를 해소하기 위한 </a:t>
+            </a:r>
+            <a:r>
+              <a:rPr lang="en-US" altLang="ko-KR" dirty="0"/>
+              <a:t>SMOTE</a:t>
+            </a:r>
+            <a:r>
+              <a:rPr lang="ko-KR" altLang="en-US" dirty="0"/>
+              <a:t> 등의 모델링 진행</a:t>
+            </a:r>
+            <a:endParaRPr lang="en-US" altLang="ko-KR" dirty="0"/>
+          </a:p>
+          <a:p>
+            <a:r>
+              <a:rPr lang="ko-KR" altLang="en-US" dirty="0"/>
+              <a:t>클러스터링 및 통계분석 </a:t>
+            </a:r>
+            <a:r>
+              <a:rPr lang="en-US" altLang="ko-KR" dirty="0"/>
+              <a:t>: </a:t>
+            </a:r>
+            <a:r>
+              <a:rPr lang="ko-KR" altLang="en-US" dirty="0"/>
+              <a:t>다양한 클러스터링 알고리즘</a:t>
+            </a:r>
+            <a:r>
+              <a:rPr lang="en-US" altLang="ko-KR" dirty="0"/>
+              <a:t>, </a:t>
+            </a:r>
+            <a:r>
+              <a:rPr lang="ko-KR" altLang="en-US" dirty="0" err="1"/>
+              <a:t>카이제곱</a:t>
+            </a:r>
+            <a:r>
+              <a:rPr lang="ko-KR" altLang="en-US" dirty="0"/>
+              <a:t> 검정</a:t>
+            </a:r>
+            <a:r>
+              <a:rPr lang="en-US" altLang="ko-KR" dirty="0"/>
+              <a:t>, ANOVA</a:t>
+            </a:r>
+            <a:r>
+              <a:rPr lang="ko-KR" altLang="en-US" dirty="0"/>
+              <a:t> 분석 등을 사용해 고객그룹별 상관관계</a:t>
+            </a:r>
+            <a:r>
+              <a:rPr lang="en-US" altLang="ko-KR" dirty="0"/>
+              <a:t>, </a:t>
+            </a:r>
+            <a:r>
+              <a:rPr lang="ko-KR" altLang="en-US" dirty="0"/>
+              <a:t>패턴 파악</a:t>
+            </a:r>
+            <a:endParaRPr lang="en-US" altLang="ko-KR" dirty="0"/>
+          </a:p>
+          <a:p>
+            <a:r>
+              <a:rPr lang="ko-KR" altLang="en-US" dirty="0"/>
+              <a:t>새로운 대출 기준 제안 </a:t>
+            </a:r>
+            <a:r>
+              <a:rPr lang="en-US" altLang="ko-KR" dirty="0"/>
+              <a:t>: </a:t>
+            </a:r>
+            <a:r>
+              <a:rPr lang="ko-KR" altLang="en-US" dirty="0"/>
+              <a:t>클러스터링 정보를 바탕으로 </a:t>
+            </a:r>
+            <a:r>
+              <a:rPr lang="ko-KR" altLang="en-US" dirty="0" err="1"/>
+              <a:t>그레이존</a:t>
+            </a:r>
+            <a:r>
+              <a:rPr lang="ko-KR" altLang="en-US" dirty="0"/>
+              <a:t> 고객 대출 심사 잠재기준 제안</a:t>
+            </a:r>
           </a:p>
         </p:txBody>
       </p:sp>
@@ -4537,8 +5106,8 @@
         </p:blipFill>
         <p:spPr>
           <a:xfrm>
-            <a:off x="838200" y="1690688"/>
-            <a:ext cx="8931414" cy="4099915"/>
+            <a:off x="6096000" y="670621"/>
+            <a:ext cx="5069712" cy="2327223"/>
           </a:xfrm>
           <a:prstGeom prst="rect">
             <a:avLst/>
@@ -4602,8 +5171,13 @@
             </a:r>
             <a:r>
               <a:rPr lang="ko-KR" altLang="en-US" dirty="0"/>
-              <a:t>탐색적 데이터 분석</a:t>
-            </a:r>
+              <a:t>탐색적 데이터 분석 </a:t>
+            </a:r>
+            <a:r>
+              <a:rPr lang="en-US" altLang="ko-KR" dirty="0"/>
+              <a:t>(EDA)</a:t>
+            </a:r>
+            <a:endParaRPr lang="ko-KR" altLang="en-US" dirty="0"/>
           </a:p>
         </p:txBody>
       </p:sp>
@@ -4628,7 +5202,7 @@
           <a:bodyPr/>
           <a:lstStyle/>
           <a:p>
-            <a:endParaRPr lang="ko-KR" altLang="en-US"/>
+            <a:endParaRPr lang="ko-KR" altLang="en-US" dirty="0"/>
           </a:p>
         </p:txBody>
       </p:sp>
@@ -5077,7 +5651,7 @@
           <a:bodyPr/>
           <a:lstStyle/>
           <a:p>
-            <a:endParaRPr lang="ko-KR" altLang="en-US"/>
+            <a:endParaRPr lang="ko-KR" altLang="en-US" dirty="0"/>
           </a:p>
         </p:txBody>
       </p:sp>

--- a/개인고객 신용등급 산정 모델링.pptx
+++ b/개인고객 신용등급 산정 모델링.pptx
@@ -5,21 +5,24 @@
     <p:sldMasterId id="2147483648" r:id="rId1"/>
   </p:sldMasterIdLst>
   <p:notesMasterIdLst>
-    <p:notesMasterId r:id="rId14"/>
+    <p:notesMasterId r:id="rId17"/>
   </p:notesMasterIdLst>
   <p:sldIdLst>
     <p:sldId id="256" r:id="rId2"/>
     <p:sldId id="266" r:id="rId3"/>
     <p:sldId id="257" r:id="rId4"/>
     <p:sldId id="258" r:id="rId5"/>
-    <p:sldId id="259" r:id="rId6"/>
-    <p:sldId id="262" r:id="rId7"/>
-    <p:sldId id="261" r:id="rId8"/>
-    <p:sldId id="263" r:id="rId9"/>
-    <p:sldId id="264" r:id="rId10"/>
-    <p:sldId id="267" r:id="rId11"/>
-    <p:sldId id="268" r:id="rId12"/>
-    <p:sldId id="269" r:id="rId13"/>
+    <p:sldId id="271" r:id="rId6"/>
+    <p:sldId id="272" r:id="rId7"/>
+    <p:sldId id="270" r:id="rId8"/>
+    <p:sldId id="259" r:id="rId9"/>
+    <p:sldId id="262" r:id="rId10"/>
+    <p:sldId id="261" r:id="rId11"/>
+    <p:sldId id="263" r:id="rId12"/>
+    <p:sldId id="264" r:id="rId13"/>
+    <p:sldId id="267" r:id="rId14"/>
+    <p:sldId id="268" r:id="rId15"/>
+    <p:sldId id="269" r:id="rId16"/>
   </p:sldIdLst>
   <p:sldSz cx="12192000" cy="6858000"/>
   <p:notesSz cx="6858000" cy="9144000"/>
@@ -1033,6 +1036,205 @@
     <p:extLst>
       <p:ext uri="{BB962C8B-B14F-4D97-AF65-F5344CB8AC3E}">
         <p14:creationId xmlns:p14="http://schemas.microsoft.com/office/powerpoint/2010/main" val="2287352362"/>
+      </p:ext>
+    </p:extLst>
+  </p:cSld>
+  <p:clrMapOvr>
+    <a:masterClrMapping/>
+  </p:clrMapOvr>
+</p:notes>
+</file>
+
+<file path=ppt/notesSlides/notesSlide4.xml><?xml version="1.0" encoding="utf-8"?>
+<p:notes xmlns:a="http://schemas.openxmlformats.org/drawingml/2006/main" xmlns:r="http://schemas.openxmlformats.org/officeDocument/2006/relationships" xmlns:p="http://schemas.openxmlformats.org/presentationml/2006/main">
+  <p:cSld>
+    <p:spTree>
+      <p:nvGrpSpPr>
+        <p:cNvPr id="1" name=""/>
+        <p:cNvGrpSpPr/>
+        <p:nvPr/>
+      </p:nvGrpSpPr>
+      <p:grpSpPr>
+        <a:xfrm>
+          <a:off x="0" y="0"/>
+          <a:ext cx="0" cy="0"/>
+          <a:chOff x="0" y="0"/>
+          <a:chExt cx="0" cy="0"/>
+        </a:xfrm>
+      </p:grpSpPr>
+      <p:sp>
+        <p:nvSpPr>
+          <p:cNvPr id="2" name="슬라이드 이미지 개체 틀 1"/>
+          <p:cNvSpPr>
+            <a:spLocks noGrp="1" noRot="1" noChangeAspect="1"/>
+          </p:cNvSpPr>
+          <p:nvPr>
+            <p:ph type="sldImg"/>
+          </p:nvPr>
+        </p:nvSpPr>
+        <p:spPr/>
+      </p:sp>
+      <p:sp>
+        <p:nvSpPr>
+          <p:cNvPr id="3" name="슬라이드 노트 개체 틀 2"/>
+          <p:cNvSpPr>
+            <a:spLocks noGrp="1"/>
+          </p:cNvSpPr>
+          <p:nvPr>
+            <p:ph type="body" idx="1"/>
+          </p:nvPr>
+        </p:nvSpPr>
+        <p:spPr/>
+        <p:txBody>
+          <a:bodyPr/>
+          <a:lstStyle/>
+          <a:p>
+            <a:r>
+              <a:rPr lang="ko-KR" altLang="en-US" dirty="0"/>
+              <a:t>마지막으로 시사점 및 기대효과</a:t>
+            </a:r>
+            <a:endParaRPr lang="en-US" altLang="ko-KR" dirty="0"/>
+          </a:p>
+          <a:p>
+            <a:r>
+              <a:rPr lang="ko-KR" altLang="en-US" dirty="0"/>
+              <a:t>먼저 신용등급 산출을 정교하게 하고</a:t>
+            </a:r>
+            <a:r>
+              <a:rPr lang="en-US" altLang="ko-KR" dirty="0"/>
+              <a:t>, </a:t>
+            </a:r>
+            <a:r>
+              <a:rPr lang="ko-KR" altLang="en-US" dirty="0"/>
+              <a:t>이에 더해 </a:t>
+            </a:r>
+            <a:r>
+              <a:rPr lang="ko-KR" altLang="en-US" dirty="0" err="1"/>
+              <a:t>그레이존</a:t>
+            </a:r>
+            <a:r>
+              <a:rPr lang="ko-KR" altLang="en-US" dirty="0"/>
+              <a:t> 고객의 대출 심사 기준까지 재정립해줍니다</a:t>
+            </a:r>
+            <a:r>
+              <a:rPr lang="en-US" altLang="ko-KR" dirty="0"/>
+              <a:t>. </a:t>
+            </a:r>
+            <a:r>
+              <a:rPr lang="ko-KR" altLang="en-US" dirty="0"/>
+              <a:t>이로써 개인고객 디폴트 리스크를 최소화할 수 있습니다</a:t>
+            </a:r>
+            <a:r>
+              <a:rPr lang="en-US" altLang="ko-KR" dirty="0"/>
+              <a:t>.</a:t>
+            </a:r>
+          </a:p>
+          <a:p>
+            <a:r>
+              <a:rPr lang="ko-KR" altLang="en-US" dirty="0"/>
+              <a:t>둘째</a:t>
+            </a:r>
+            <a:r>
+              <a:rPr lang="en-US" altLang="ko-KR" dirty="0"/>
+              <a:t>, </a:t>
+            </a:r>
+            <a:r>
+              <a:rPr lang="ko-KR" altLang="en-US" dirty="0"/>
+              <a:t>저희 데이터분석 결과를 활용하면 디폴트 리스크를 최소화하기 때문에 자산 건전성을 확보할 수 있습니다</a:t>
+            </a:r>
+            <a:r>
+              <a:rPr lang="en-US" altLang="ko-KR" dirty="0"/>
+              <a:t>. </a:t>
+            </a:r>
+            <a:r>
+              <a:rPr lang="ko-KR" altLang="en-US" dirty="0"/>
+              <a:t>또한 </a:t>
+            </a:r>
+            <a:r>
+              <a:rPr lang="ko-KR" altLang="en-US" dirty="0" err="1"/>
+              <a:t>그레이존</a:t>
+            </a:r>
+            <a:r>
+              <a:rPr lang="ko-KR" altLang="en-US" dirty="0"/>
+              <a:t> 고객이라는 신규 대출 규모를 확대할 수 있어</a:t>
+            </a:r>
+            <a:r>
+              <a:rPr lang="en-US" altLang="ko-KR" dirty="0"/>
+              <a:t>, </a:t>
+            </a:r>
+            <a:r>
+              <a:rPr lang="ko-KR" altLang="en-US" dirty="0"/>
+              <a:t>수익 개선 효과까지 누릴 수 있습니다</a:t>
+            </a:r>
+            <a:r>
+              <a:rPr lang="en-US" altLang="ko-KR" dirty="0"/>
+              <a:t>.</a:t>
+            </a:r>
+          </a:p>
+          <a:p>
+            <a:r>
+              <a:rPr lang="ko-KR" altLang="en-US" dirty="0"/>
+              <a:t>셋째</a:t>
+            </a:r>
+            <a:r>
+              <a:rPr lang="en-US" altLang="ko-KR" dirty="0"/>
+              <a:t>, </a:t>
+            </a:r>
+            <a:r>
+              <a:rPr lang="ko-KR" altLang="en-US" dirty="0"/>
+              <a:t>저희의 </a:t>
+            </a:r>
+            <a:r>
+              <a:rPr lang="ko-KR" altLang="en-US" dirty="0" err="1"/>
+              <a:t>그레이존</a:t>
+            </a:r>
+            <a:r>
+              <a:rPr lang="ko-KR" altLang="en-US" dirty="0"/>
+              <a:t> 고객은 중신용자 고객입니다</a:t>
+            </a:r>
+            <a:r>
+              <a:rPr lang="en-US" altLang="ko-KR" dirty="0"/>
+              <a:t>. </a:t>
+            </a:r>
+            <a:r>
+              <a:rPr lang="ko-KR" altLang="en-US" dirty="0"/>
+              <a:t>이들에 대한 대출을 확대시키면서 포용금융 효과를 실천할 수 있습니다</a:t>
+            </a:r>
+            <a:r>
+              <a:rPr lang="en-US" altLang="ko-KR"/>
+              <a:t>.</a:t>
+            </a:r>
+            <a:endParaRPr lang="ko-KR" altLang="en-US" dirty="0"/>
+          </a:p>
+        </p:txBody>
+      </p:sp>
+      <p:sp>
+        <p:nvSpPr>
+          <p:cNvPr id="4" name="슬라이드 번호 개체 틀 3"/>
+          <p:cNvSpPr>
+            <a:spLocks noGrp="1"/>
+          </p:cNvSpPr>
+          <p:nvPr>
+            <p:ph type="sldNum" sz="quarter" idx="5"/>
+          </p:nvPr>
+        </p:nvSpPr>
+        <p:spPr/>
+        <p:txBody>
+          <a:bodyPr/>
+          <a:lstStyle/>
+          <a:p>
+            <a:fld id="{AECE734F-E196-4F31-AFED-17688B895D37}" type="slidenum">
+              <a:rPr lang="ko-KR" altLang="en-US" smtClean="0"/>
+              <a:t>15</a:t>
+            </a:fld>
+            <a:endParaRPr lang="ko-KR" altLang="en-US"/>
+          </a:p>
+        </p:txBody>
+      </p:sp>
+    </p:spTree>
+    <p:extLst>
+      <p:ext uri="{BB962C8B-B14F-4D97-AF65-F5344CB8AC3E}">
+        <p14:creationId xmlns:p14="http://schemas.microsoft.com/office/powerpoint/2010/main" val="703362026"/>
       </p:ext>
     </p:extLst>
   </p:cSld>
@@ -4372,7 +4574,7 @@
           <p:cNvPr id="2" name="제목 1">
             <a:extLst>
               <a:ext uri="{FF2B5EF4-FFF2-40B4-BE49-F238E27FC236}">
-                <a16:creationId xmlns:a16="http://schemas.microsoft.com/office/drawing/2014/main" id="{3EEA63EC-9A9E-C471-DBBA-C880F8C3C16B}"/>
+                <a16:creationId xmlns:a16="http://schemas.microsoft.com/office/drawing/2014/main" id="{10046868-6F4F-B19C-79E6-E2D43235898D}"/>
               </a:ext>
             </a:extLst>
           </p:cNvPr>
@@ -4390,11 +4592,19 @@
           <a:p>
             <a:r>
               <a:rPr lang="en-US" altLang="ko-KR" dirty="0"/>
-              <a:t>6. </a:t>
-            </a:r>
-            <a:r>
-              <a:rPr lang="ko-KR" altLang="en-US" dirty="0"/>
-              <a:t>중신용자 대출 승인을 위한 잠재적 기준 제안</a:t>
+              <a:t>4. </a:t>
+            </a:r>
+            <a:r>
+              <a:rPr lang="ko-KR" altLang="en-US" dirty="0"/>
+              <a:t>프로젝트 수행 과정</a:t>
+            </a:r>
+            <a:r>
+              <a:rPr lang="en-US" altLang="ko-KR" dirty="0"/>
+              <a:t>2 = </a:t>
+            </a:r>
+            <a:r>
+              <a:rPr lang="ko-KR" altLang="en-US" dirty="0"/>
+              <a:t>분류 모델링</a:t>
             </a:r>
           </a:p>
         </p:txBody>
@@ -4404,7 +4614,7 @@
           <p:cNvPr id="3" name="내용 개체 틀 2">
             <a:extLst>
               <a:ext uri="{FF2B5EF4-FFF2-40B4-BE49-F238E27FC236}">
-                <a16:creationId xmlns:a16="http://schemas.microsoft.com/office/drawing/2014/main" id="{F3F8367A-CDB0-E500-C70D-4943F1114B86}"/>
+                <a16:creationId xmlns:a16="http://schemas.microsoft.com/office/drawing/2014/main" id="{BF569FBD-231D-3670-C081-D9D32E5ECC72}"/>
               </a:ext>
             </a:extLst>
           </p:cNvPr>
@@ -4420,14 +4630,14 @@
           <a:bodyPr/>
           <a:lstStyle/>
           <a:p>
-            <a:endParaRPr lang="ko-KR" altLang="en-US" dirty="0"/>
+            <a:endParaRPr lang="ko-KR" altLang="en-US"/>
           </a:p>
         </p:txBody>
       </p:sp>
     </p:spTree>
     <p:extLst>
       <p:ext uri="{BB962C8B-B14F-4D97-AF65-F5344CB8AC3E}">
-        <p14:creationId xmlns:p14="http://schemas.microsoft.com/office/powerpoint/2010/main" val="2650871530"/>
+        <p14:creationId xmlns:p14="http://schemas.microsoft.com/office/powerpoint/2010/main" val="3576840358"/>
       </p:ext>
     </p:extLst>
   </p:cSld>
@@ -4459,7 +4669,7 @@
           <p:cNvPr id="2" name="제목 1">
             <a:extLst>
               <a:ext uri="{FF2B5EF4-FFF2-40B4-BE49-F238E27FC236}">
-                <a16:creationId xmlns:a16="http://schemas.microsoft.com/office/drawing/2014/main" id="{3EEA63EC-9A9E-C471-DBBA-C880F8C3C16B}"/>
+                <a16:creationId xmlns:a16="http://schemas.microsoft.com/office/drawing/2014/main" id="{33193E75-39FB-5D73-2CB2-E5EB31D2BACA}"/>
               </a:ext>
             </a:extLst>
           </p:cNvPr>
@@ -4477,11 +4687,11 @@
           <a:p>
             <a:r>
               <a:rPr lang="en-US" altLang="ko-KR" dirty="0"/>
-              <a:t>6. </a:t>
-            </a:r>
-            <a:r>
-              <a:rPr lang="ko-KR" altLang="en-US" dirty="0"/>
-              <a:t>중신용자 대출 승인을 위한 잠재적 기준 제안</a:t>
+              <a:t>5. </a:t>
+            </a:r>
+            <a:r>
+              <a:rPr lang="ko-KR" altLang="en-US" dirty="0"/>
+              <a:t>클러스터링</a:t>
             </a:r>
           </a:p>
         </p:txBody>
@@ -4491,7 +4701,7 @@
           <p:cNvPr id="3" name="내용 개체 틀 2">
             <a:extLst>
               <a:ext uri="{FF2B5EF4-FFF2-40B4-BE49-F238E27FC236}">
-                <a16:creationId xmlns:a16="http://schemas.microsoft.com/office/drawing/2014/main" id="{F3F8367A-CDB0-E500-C70D-4943F1114B86}"/>
+                <a16:creationId xmlns:a16="http://schemas.microsoft.com/office/drawing/2014/main" id="{2218F5B8-D7CA-7666-D123-6C7266F6513C}"/>
               </a:ext>
             </a:extLst>
           </p:cNvPr>
@@ -4507,14 +4717,14 @@
           <a:bodyPr/>
           <a:lstStyle/>
           <a:p>
-            <a:endParaRPr lang="ko-KR" altLang="en-US" dirty="0"/>
+            <a:endParaRPr lang="ko-KR" altLang="en-US"/>
           </a:p>
         </p:txBody>
       </p:sp>
     </p:spTree>
     <p:extLst>
       <p:ext uri="{BB962C8B-B14F-4D97-AF65-F5344CB8AC3E}">
-        <p14:creationId xmlns:p14="http://schemas.microsoft.com/office/powerpoint/2010/main" val="733208506"/>
+        <p14:creationId xmlns:p14="http://schemas.microsoft.com/office/powerpoint/2010/main" val="909310296"/>
       </p:ext>
     </p:extLst>
   </p:cSld>
@@ -4564,6 +4774,267 @@
           <a:p>
             <a:r>
               <a:rPr lang="en-US" altLang="ko-KR" dirty="0"/>
+              <a:t>6. </a:t>
+            </a:r>
+            <a:r>
+              <a:rPr lang="ko-KR" altLang="en-US" dirty="0"/>
+              <a:t>중신용자 대출 승인을 위한 잠재적 기준 제안</a:t>
+            </a:r>
+          </a:p>
+        </p:txBody>
+      </p:sp>
+      <p:sp>
+        <p:nvSpPr>
+          <p:cNvPr id="3" name="내용 개체 틀 2">
+            <a:extLst>
+              <a:ext uri="{FF2B5EF4-FFF2-40B4-BE49-F238E27FC236}">
+                <a16:creationId xmlns:a16="http://schemas.microsoft.com/office/drawing/2014/main" id="{F3F8367A-CDB0-E500-C70D-4943F1114B86}"/>
+              </a:ext>
+            </a:extLst>
+          </p:cNvPr>
+          <p:cNvSpPr>
+            <a:spLocks noGrp="1"/>
+          </p:cNvSpPr>
+          <p:nvPr>
+            <p:ph idx="1"/>
+          </p:nvPr>
+        </p:nvSpPr>
+        <p:spPr/>
+        <p:txBody>
+          <a:bodyPr/>
+          <a:lstStyle/>
+          <a:p>
+            <a:endParaRPr lang="ko-KR" altLang="en-US" dirty="0"/>
+          </a:p>
+        </p:txBody>
+      </p:sp>
+    </p:spTree>
+    <p:extLst>
+      <p:ext uri="{BB962C8B-B14F-4D97-AF65-F5344CB8AC3E}">
+        <p14:creationId xmlns:p14="http://schemas.microsoft.com/office/powerpoint/2010/main" val="2393789184"/>
+      </p:ext>
+    </p:extLst>
+  </p:cSld>
+  <p:clrMapOvr>
+    <a:masterClrMapping/>
+  </p:clrMapOvr>
+</p:sld>
+</file>
+
+<file path=ppt/slides/slide13.xml><?xml version="1.0" encoding="utf-8"?>
+<p:sld xmlns:a="http://schemas.openxmlformats.org/drawingml/2006/main" xmlns:r="http://schemas.openxmlformats.org/officeDocument/2006/relationships" xmlns:p="http://schemas.openxmlformats.org/presentationml/2006/main">
+  <p:cSld>
+    <p:spTree>
+      <p:nvGrpSpPr>
+        <p:cNvPr id="1" name=""/>
+        <p:cNvGrpSpPr/>
+        <p:nvPr/>
+      </p:nvGrpSpPr>
+      <p:grpSpPr>
+        <a:xfrm>
+          <a:off x="0" y="0"/>
+          <a:ext cx="0" cy="0"/>
+          <a:chOff x="0" y="0"/>
+          <a:chExt cx="0" cy="0"/>
+        </a:xfrm>
+      </p:grpSpPr>
+      <p:sp>
+        <p:nvSpPr>
+          <p:cNvPr id="2" name="제목 1">
+            <a:extLst>
+              <a:ext uri="{FF2B5EF4-FFF2-40B4-BE49-F238E27FC236}">
+                <a16:creationId xmlns:a16="http://schemas.microsoft.com/office/drawing/2014/main" id="{3EEA63EC-9A9E-C471-DBBA-C880F8C3C16B}"/>
+              </a:ext>
+            </a:extLst>
+          </p:cNvPr>
+          <p:cNvSpPr>
+            <a:spLocks noGrp="1"/>
+          </p:cNvSpPr>
+          <p:nvPr>
+            <p:ph type="title"/>
+          </p:nvPr>
+        </p:nvSpPr>
+        <p:spPr/>
+        <p:txBody>
+          <a:bodyPr/>
+          <a:lstStyle/>
+          <a:p>
+            <a:r>
+              <a:rPr lang="en-US" altLang="ko-KR" dirty="0"/>
+              <a:t>6. </a:t>
+            </a:r>
+            <a:r>
+              <a:rPr lang="ko-KR" altLang="en-US" dirty="0"/>
+              <a:t>중신용자 대출 승인을 위한 잠재적 기준 제안</a:t>
+            </a:r>
+          </a:p>
+        </p:txBody>
+      </p:sp>
+      <p:sp>
+        <p:nvSpPr>
+          <p:cNvPr id="3" name="내용 개체 틀 2">
+            <a:extLst>
+              <a:ext uri="{FF2B5EF4-FFF2-40B4-BE49-F238E27FC236}">
+                <a16:creationId xmlns:a16="http://schemas.microsoft.com/office/drawing/2014/main" id="{F3F8367A-CDB0-E500-C70D-4943F1114B86}"/>
+              </a:ext>
+            </a:extLst>
+          </p:cNvPr>
+          <p:cNvSpPr>
+            <a:spLocks noGrp="1"/>
+          </p:cNvSpPr>
+          <p:nvPr>
+            <p:ph idx="1"/>
+          </p:nvPr>
+        </p:nvSpPr>
+        <p:spPr/>
+        <p:txBody>
+          <a:bodyPr/>
+          <a:lstStyle/>
+          <a:p>
+            <a:endParaRPr lang="ko-KR" altLang="en-US" dirty="0"/>
+          </a:p>
+        </p:txBody>
+      </p:sp>
+    </p:spTree>
+    <p:extLst>
+      <p:ext uri="{BB962C8B-B14F-4D97-AF65-F5344CB8AC3E}">
+        <p14:creationId xmlns:p14="http://schemas.microsoft.com/office/powerpoint/2010/main" val="2650871530"/>
+      </p:ext>
+    </p:extLst>
+  </p:cSld>
+  <p:clrMapOvr>
+    <a:masterClrMapping/>
+  </p:clrMapOvr>
+</p:sld>
+</file>
+
+<file path=ppt/slides/slide14.xml><?xml version="1.0" encoding="utf-8"?>
+<p:sld xmlns:a="http://schemas.openxmlformats.org/drawingml/2006/main" xmlns:r="http://schemas.openxmlformats.org/officeDocument/2006/relationships" xmlns:p="http://schemas.openxmlformats.org/presentationml/2006/main">
+  <p:cSld>
+    <p:spTree>
+      <p:nvGrpSpPr>
+        <p:cNvPr id="1" name=""/>
+        <p:cNvGrpSpPr/>
+        <p:nvPr/>
+      </p:nvGrpSpPr>
+      <p:grpSpPr>
+        <a:xfrm>
+          <a:off x="0" y="0"/>
+          <a:ext cx="0" cy="0"/>
+          <a:chOff x="0" y="0"/>
+          <a:chExt cx="0" cy="0"/>
+        </a:xfrm>
+      </p:grpSpPr>
+      <p:sp>
+        <p:nvSpPr>
+          <p:cNvPr id="2" name="제목 1">
+            <a:extLst>
+              <a:ext uri="{FF2B5EF4-FFF2-40B4-BE49-F238E27FC236}">
+                <a16:creationId xmlns:a16="http://schemas.microsoft.com/office/drawing/2014/main" id="{3EEA63EC-9A9E-C471-DBBA-C880F8C3C16B}"/>
+              </a:ext>
+            </a:extLst>
+          </p:cNvPr>
+          <p:cNvSpPr>
+            <a:spLocks noGrp="1"/>
+          </p:cNvSpPr>
+          <p:nvPr>
+            <p:ph type="title"/>
+          </p:nvPr>
+        </p:nvSpPr>
+        <p:spPr/>
+        <p:txBody>
+          <a:bodyPr/>
+          <a:lstStyle/>
+          <a:p>
+            <a:r>
+              <a:rPr lang="en-US" altLang="ko-KR" dirty="0"/>
+              <a:t>6. </a:t>
+            </a:r>
+            <a:r>
+              <a:rPr lang="ko-KR" altLang="en-US" dirty="0"/>
+              <a:t>중신용자 대출 승인을 위한 잠재적 기준 제안</a:t>
+            </a:r>
+          </a:p>
+        </p:txBody>
+      </p:sp>
+      <p:sp>
+        <p:nvSpPr>
+          <p:cNvPr id="3" name="내용 개체 틀 2">
+            <a:extLst>
+              <a:ext uri="{FF2B5EF4-FFF2-40B4-BE49-F238E27FC236}">
+                <a16:creationId xmlns:a16="http://schemas.microsoft.com/office/drawing/2014/main" id="{F3F8367A-CDB0-E500-C70D-4943F1114B86}"/>
+              </a:ext>
+            </a:extLst>
+          </p:cNvPr>
+          <p:cNvSpPr>
+            <a:spLocks noGrp="1"/>
+          </p:cNvSpPr>
+          <p:nvPr>
+            <p:ph idx="1"/>
+          </p:nvPr>
+        </p:nvSpPr>
+        <p:spPr/>
+        <p:txBody>
+          <a:bodyPr/>
+          <a:lstStyle/>
+          <a:p>
+            <a:endParaRPr lang="ko-KR" altLang="en-US" dirty="0"/>
+          </a:p>
+        </p:txBody>
+      </p:sp>
+    </p:spTree>
+    <p:extLst>
+      <p:ext uri="{BB962C8B-B14F-4D97-AF65-F5344CB8AC3E}">
+        <p14:creationId xmlns:p14="http://schemas.microsoft.com/office/powerpoint/2010/main" val="733208506"/>
+      </p:ext>
+    </p:extLst>
+  </p:cSld>
+  <p:clrMapOvr>
+    <a:masterClrMapping/>
+  </p:clrMapOvr>
+</p:sld>
+</file>
+
+<file path=ppt/slides/slide15.xml><?xml version="1.0" encoding="utf-8"?>
+<p:sld xmlns:a="http://schemas.openxmlformats.org/drawingml/2006/main" xmlns:r="http://schemas.openxmlformats.org/officeDocument/2006/relationships" xmlns:p="http://schemas.openxmlformats.org/presentationml/2006/main">
+  <p:cSld>
+    <p:spTree>
+      <p:nvGrpSpPr>
+        <p:cNvPr id="1" name=""/>
+        <p:cNvGrpSpPr/>
+        <p:nvPr/>
+      </p:nvGrpSpPr>
+      <p:grpSpPr>
+        <a:xfrm>
+          <a:off x="0" y="0"/>
+          <a:ext cx="0" cy="0"/>
+          <a:chOff x="0" y="0"/>
+          <a:chExt cx="0" cy="0"/>
+        </a:xfrm>
+      </p:grpSpPr>
+      <p:sp>
+        <p:nvSpPr>
+          <p:cNvPr id="2" name="제목 1">
+            <a:extLst>
+              <a:ext uri="{FF2B5EF4-FFF2-40B4-BE49-F238E27FC236}">
+                <a16:creationId xmlns:a16="http://schemas.microsoft.com/office/drawing/2014/main" id="{3EEA63EC-9A9E-C471-DBBA-C880F8C3C16B}"/>
+              </a:ext>
+            </a:extLst>
+          </p:cNvPr>
+          <p:cNvSpPr>
+            <a:spLocks noGrp="1"/>
+          </p:cNvSpPr>
+          <p:nvPr>
+            <p:ph type="title"/>
+          </p:nvPr>
+        </p:nvSpPr>
+        <p:spPr/>
+        <p:txBody>
+          <a:bodyPr/>
+          <a:lstStyle/>
+          <a:p>
+            <a:r>
+              <a:rPr lang="en-US" altLang="ko-KR" dirty="0"/>
               <a:t>6-4. </a:t>
             </a:r>
             <a:r>
@@ -4600,14 +5071,7 @@
             </a:r>
             <a:r>
               <a:rPr lang="ko-KR" altLang="en-US" dirty="0"/>
-              <a:t>정교한 신용등급분류 모델링으로 개인고객 디폴트 리스크 최소화</a:t>
-            </a:r>
-            <a:endParaRPr lang="en-US" altLang="ko-KR" dirty="0"/>
-          </a:p>
-          <a:p>
-            <a:r>
-              <a:rPr lang="en-US" altLang="ko-KR" dirty="0"/>
-              <a:t>2. </a:t>
+              <a:t>정교한 신용등급분류 모델링 및 </a:t>
             </a:r>
             <a:r>
               <a:rPr lang="ko-KR" altLang="en-US" dirty="0" err="1"/>
@@ -4615,42 +5079,29 @@
             </a:r>
             <a:r>
               <a:rPr lang="ko-KR" altLang="en-US" dirty="0"/>
-              <a:t> 고객 대출 시사 기준을 재정립함으로써 디폴트 리스트를 최소화하면서 대출 규모 확대</a:t>
+              <a:t> 고객 대출 심사 기준 재정립으로 개인고객 디폴트 리스크 최소화</a:t>
             </a:r>
             <a:endParaRPr lang="en-US" altLang="ko-KR" dirty="0"/>
           </a:p>
           <a:p>
             <a:r>
               <a:rPr lang="en-US" altLang="ko-KR" dirty="0"/>
+              <a:t>2. </a:t>
+            </a:r>
+            <a:r>
+              <a:rPr lang="ko-KR" altLang="en-US" dirty="0"/>
+              <a:t>디폴트 리스트를 최소화하면서 신규 대출 규모를 확대해 자산 건전성 확보 및 수익 개선 효과</a:t>
+            </a:r>
+            <a:endParaRPr lang="en-US" altLang="ko-KR" dirty="0"/>
+          </a:p>
+          <a:p>
+            <a:r>
+              <a:rPr lang="en-US" altLang="ko-KR" dirty="0"/>
               <a:t>3. </a:t>
             </a:r>
             <a:r>
               <a:rPr lang="ko-KR" altLang="en-US" dirty="0"/>
-              <a:t>대출 규모는 </a:t>
-            </a:r>
-            <a:r>
-              <a:rPr lang="ko-KR" altLang="en-US" dirty="0" err="1"/>
-              <a:t>증대시키면서</a:t>
-            </a:r>
-            <a:r>
-              <a:rPr lang="ko-KR" altLang="en-US" dirty="0"/>
-              <a:t> </a:t>
-            </a:r>
-            <a:r>
-              <a:rPr lang="ko-KR" altLang="en-US" dirty="0" err="1"/>
-              <a:t>디폴트리스크는</a:t>
-            </a:r>
-            <a:r>
-              <a:rPr lang="ko-KR" altLang="en-US" dirty="0"/>
-              <a:t> 낮춰 주요 </a:t>
-            </a:r>
-            <a:r>
-              <a:rPr lang="ko-KR" altLang="en-US" dirty="0" err="1"/>
-              <a:t>수익원</a:t>
-            </a:r>
-            <a:r>
-              <a:rPr lang="ko-KR" altLang="en-US" dirty="0"/>
-              <a:t> 개선 효과</a:t>
+              <a:t>중신용자 고객에 대한 대출 확대로 포용금융 실천</a:t>
             </a:r>
             <a:endParaRPr lang="en-US" altLang="ko-KR" dirty="0"/>
           </a:p>
@@ -4660,8 +5111,20 @@
               <a:t>4. </a:t>
             </a:r>
             <a:r>
-              <a:rPr lang="ko-KR" altLang="en-US"/>
-              <a:t>향후 비재무적 정보와 결합하여 </a:t>
+              <a:rPr lang="ko-KR" altLang="en-US" dirty="0"/>
+              <a:t>결과 나오는 것 보고 </a:t>
+            </a:r>
+            <a:r>
+              <a:rPr lang="en-US" altLang="ko-KR" dirty="0"/>
+              <a:t>4</a:t>
+            </a:r>
+            <a:r>
+              <a:rPr lang="ko-KR" altLang="en-US" dirty="0"/>
+              <a:t>번 추가 가능성이 있습니다</a:t>
+            </a:r>
+            <a:r>
+              <a:rPr lang="en-US" altLang="ko-KR" dirty="0"/>
+              <a:t>…</a:t>
             </a:r>
             <a:endParaRPr lang="ko-KR" altLang="en-US" dirty="0"/>
           </a:p>
@@ -5241,7 +5704,7 @@
           <p:cNvPr id="2" name="제목 1">
             <a:extLst>
               <a:ext uri="{FF2B5EF4-FFF2-40B4-BE49-F238E27FC236}">
-                <a16:creationId xmlns:a16="http://schemas.microsoft.com/office/drawing/2014/main" id="{969F6C8A-7118-78F2-E4ED-BE381842F16C}"/>
+                <a16:creationId xmlns:a16="http://schemas.microsoft.com/office/drawing/2014/main" id="{B6A74A68-158C-BDF6-2AD3-665166A0287C}"/>
               </a:ext>
             </a:extLst>
           </p:cNvPr>
@@ -5259,23 +5722,15 @@
           <a:p>
             <a:r>
               <a:rPr lang="en-US" altLang="ko-KR" dirty="0"/>
-              <a:t>3. </a:t>
-            </a:r>
-            <a:r>
-              <a:rPr lang="ko-KR" altLang="en-US" dirty="0"/>
-              <a:t>프로젝트 수행 과정</a:t>
-            </a:r>
-            <a:r>
-              <a:rPr lang="en-US" altLang="ko-KR" dirty="0"/>
-              <a:t>1 = </a:t>
-            </a:r>
-            <a:r>
-              <a:rPr lang="ko-KR" altLang="en-US" dirty="0"/>
-              <a:t>데이터 </a:t>
-            </a:r>
-            <a:r>
-              <a:rPr lang="ko-KR" altLang="en-US" dirty="0" err="1"/>
-              <a:t>전처리</a:t>
+              <a:t>2. </a:t>
+            </a:r>
+            <a:r>
+              <a:rPr lang="ko-KR" altLang="en-US" dirty="0"/>
+              <a:t>탐색적 데이터 분석 </a:t>
+            </a:r>
+            <a:r>
+              <a:rPr lang="en-US" altLang="ko-KR" dirty="0"/>
+              <a:t>(EDA)</a:t>
             </a:r>
             <a:endParaRPr lang="ko-KR" altLang="en-US" dirty="0"/>
           </a:p>
@@ -5286,7 +5741,7 @@
           <p:cNvPr id="3" name="내용 개체 틀 2">
             <a:extLst>
               <a:ext uri="{FF2B5EF4-FFF2-40B4-BE49-F238E27FC236}">
-                <a16:creationId xmlns:a16="http://schemas.microsoft.com/office/drawing/2014/main" id="{DE5859C1-8AB7-2B4D-36AE-56FC27F72511}"/>
+                <a16:creationId xmlns:a16="http://schemas.microsoft.com/office/drawing/2014/main" id="{67CBA7F1-DDE6-D8E9-75F1-370F7D05DF0F}"/>
               </a:ext>
             </a:extLst>
           </p:cNvPr>
@@ -5302,14 +5757,14 @@
           <a:bodyPr/>
           <a:lstStyle/>
           <a:p>
-            <a:endParaRPr lang="ko-KR" altLang="en-US"/>
+            <a:endParaRPr lang="ko-KR" altLang="en-US" dirty="0"/>
           </a:p>
         </p:txBody>
       </p:sp>
     </p:spTree>
     <p:extLst>
       <p:ext uri="{BB962C8B-B14F-4D97-AF65-F5344CB8AC3E}">
-        <p14:creationId xmlns:p14="http://schemas.microsoft.com/office/powerpoint/2010/main" val="811344652"/>
+        <p14:creationId xmlns:p14="http://schemas.microsoft.com/office/powerpoint/2010/main" val="1610112736"/>
       </p:ext>
     </p:extLst>
   </p:cSld>
@@ -5341,7 +5796,7 @@
           <p:cNvPr id="2" name="제목 1">
             <a:extLst>
               <a:ext uri="{FF2B5EF4-FFF2-40B4-BE49-F238E27FC236}">
-                <a16:creationId xmlns:a16="http://schemas.microsoft.com/office/drawing/2014/main" id="{4964187D-E143-E4A4-3ADB-C14B9782283E}"/>
+                <a16:creationId xmlns:a16="http://schemas.microsoft.com/office/drawing/2014/main" id="{B6A74A68-158C-BDF6-2AD3-665166A0287C}"/>
               </a:ext>
             </a:extLst>
           </p:cNvPr>
@@ -5357,7 +5812,19 @@
           <a:bodyPr/>
           <a:lstStyle/>
           <a:p>
-            <a:endParaRPr lang="ko-KR" altLang="en-US"/>
+            <a:r>
+              <a:rPr lang="en-US" altLang="ko-KR" dirty="0"/>
+              <a:t>2. </a:t>
+            </a:r>
+            <a:r>
+              <a:rPr lang="ko-KR" altLang="en-US" dirty="0"/>
+              <a:t>탐색적 데이터 분석 </a:t>
+            </a:r>
+            <a:r>
+              <a:rPr lang="en-US" altLang="ko-KR" dirty="0"/>
+              <a:t>(EDA)</a:t>
+            </a:r>
+            <a:endParaRPr lang="ko-KR" altLang="en-US" dirty="0"/>
           </a:p>
         </p:txBody>
       </p:sp>
@@ -5366,7 +5833,7 @@
           <p:cNvPr id="3" name="내용 개체 틀 2">
             <a:extLst>
               <a:ext uri="{FF2B5EF4-FFF2-40B4-BE49-F238E27FC236}">
-                <a16:creationId xmlns:a16="http://schemas.microsoft.com/office/drawing/2014/main" id="{515C1417-B337-AB01-4884-6C222B689EBD}"/>
+                <a16:creationId xmlns:a16="http://schemas.microsoft.com/office/drawing/2014/main" id="{67CBA7F1-DDE6-D8E9-75F1-370F7D05DF0F}"/>
               </a:ext>
             </a:extLst>
           </p:cNvPr>
@@ -5382,14 +5849,14 @@
           <a:bodyPr/>
           <a:lstStyle/>
           <a:p>
-            <a:endParaRPr lang="ko-KR" altLang="en-US"/>
+            <a:endParaRPr lang="ko-KR" altLang="en-US" dirty="0"/>
           </a:p>
         </p:txBody>
       </p:sp>
     </p:spTree>
     <p:extLst>
       <p:ext uri="{BB962C8B-B14F-4D97-AF65-F5344CB8AC3E}">
-        <p14:creationId xmlns:p14="http://schemas.microsoft.com/office/powerpoint/2010/main" val="1985252358"/>
+        <p14:creationId xmlns:p14="http://schemas.microsoft.com/office/powerpoint/2010/main" val="662379658"/>
       </p:ext>
     </p:extLst>
   </p:cSld>
@@ -5421,7 +5888,7 @@
           <p:cNvPr id="2" name="제목 1">
             <a:extLst>
               <a:ext uri="{FF2B5EF4-FFF2-40B4-BE49-F238E27FC236}">
-                <a16:creationId xmlns:a16="http://schemas.microsoft.com/office/drawing/2014/main" id="{10046868-6F4F-B19C-79E6-E2D43235898D}"/>
+                <a16:creationId xmlns:a16="http://schemas.microsoft.com/office/drawing/2014/main" id="{B6A74A68-158C-BDF6-2AD3-665166A0287C}"/>
               </a:ext>
             </a:extLst>
           </p:cNvPr>
@@ -5439,20 +5906,17 @@
           <a:p>
             <a:r>
               <a:rPr lang="en-US" altLang="ko-KR" dirty="0"/>
-              <a:t>4. </a:t>
-            </a:r>
-            <a:r>
-              <a:rPr lang="ko-KR" altLang="en-US" dirty="0"/>
-              <a:t>프로젝트 수행 과정</a:t>
-            </a:r>
-            <a:r>
-              <a:rPr lang="en-US" altLang="ko-KR" dirty="0"/>
-              <a:t>2 = </a:t>
-            </a:r>
-            <a:r>
-              <a:rPr lang="ko-KR" altLang="en-US" dirty="0"/>
-              <a:t>분류 모델링</a:t>
-            </a:r>
+              <a:t>2. </a:t>
+            </a:r>
+            <a:r>
+              <a:rPr lang="ko-KR" altLang="en-US" dirty="0"/>
+              <a:t>탐색적 데이터 분석 </a:t>
+            </a:r>
+            <a:r>
+              <a:rPr lang="en-US" altLang="ko-KR" dirty="0"/>
+              <a:t>(EDA)</a:t>
+            </a:r>
+            <a:endParaRPr lang="ko-KR" altLang="en-US" dirty="0"/>
           </a:p>
         </p:txBody>
       </p:sp>
@@ -5461,7 +5925,7 @@
           <p:cNvPr id="3" name="내용 개체 틀 2">
             <a:extLst>
               <a:ext uri="{FF2B5EF4-FFF2-40B4-BE49-F238E27FC236}">
-                <a16:creationId xmlns:a16="http://schemas.microsoft.com/office/drawing/2014/main" id="{BF569FBD-231D-3670-C081-D9D32E5ECC72}"/>
+                <a16:creationId xmlns:a16="http://schemas.microsoft.com/office/drawing/2014/main" id="{67CBA7F1-DDE6-D8E9-75F1-370F7D05DF0F}"/>
               </a:ext>
             </a:extLst>
           </p:cNvPr>
@@ -5477,14 +5941,14 @@
           <a:bodyPr/>
           <a:lstStyle/>
           <a:p>
-            <a:endParaRPr lang="ko-KR" altLang="en-US"/>
+            <a:endParaRPr lang="ko-KR" altLang="en-US" dirty="0"/>
           </a:p>
         </p:txBody>
       </p:sp>
     </p:spTree>
     <p:extLst>
       <p:ext uri="{BB962C8B-B14F-4D97-AF65-F5344CB8AC3E}">
-        <p14:creationId xmlns:p14="http://schemas.microsoft.com/office/powerpoint/2010/main" val="3576840358"/>
+        <p14:creationId xmlns:p14="http://schemas.microsoft.com/office/powerpoint/2010/main" val="2721177950"/>
       </p:ext>
     </p:extLst>
   </p:cSld>
@@ -5516,7 +5980,7 @@
           <p:cNvPr id="2" name="제목 1">
             <a:extLst>
               <a:ext uri="{FF2B5EF4-FFF2-40B4-BE49-F238E27FC236}">
-                <a16:creationId xmlns:a16="http://schemas.microsoft.com/office/drawing/2014/main" id="{33193E75-39FB-5D73-2CB2-E5EB31D2BACA}"/>
+                <a16:creationId xmlns:a16="http://schemas.microsoft.com/office/drawing/2014/main" id="{969F6C8A-7118-78F2-E4ED-BE381842F16C}"/>
               </a:ext>
             </a:extLst>
           </p:cNvPr>
@@ -5534,12 +5998,25 @@
           <a:p>
             <a:r>
               <a:rPr lang="en-US" altLang="ko-KR" dirty="0"/>
-              <a:t>5. </a:t>
-            </a:r>
-            <a:r>
-              <a:rPr lang="ko-KR" altLang="en-US" dirty="0"/>
-              <a:t>클러스터링</a:t>
-            </a:r>
+              <a:t>3. </a:t>
+            </a:r>
+            <a:r>
+              <a:rPr lang="ko-KR" altLang="en-US" dirty="0"/>
+              <a:t>프로젝트 수행 과정</a:t>
+            </a:r>
+            <a:r>
+              <a:rPr lang="en-US" altLang="ko-KR" dirty="0"/>
+              <a:t>1 = </a:t>
+            </a:r>
+            <a:r>
+              <a:rPr lang="ko-KR" altLang="en-US" dirty="0"/>
+              <a:t>데이터 </a:t>
+            </a:r>
+            <a:r>
+              <a:rPr lang="ko-KR" altLang="en-US" dirty="0" err="1"/>
+              <a:t>전처리</a:t>
+            </a:r>
+            <a:endParaRPr lang="ko-KR" altLang="en-US" dirty="0"/>
           </a:p>
         </p:txBody>
       </p:sp>
@@ -5548,7 +6025,7 @@
           <p:cNvPr id="3" name="내용 개체 틀 2">
             <a:extLst>
               <a:ext uri="{FF2B5EF4-FFF2-40B4-BE49-F238E27FC236}">
-                <a16:creationId xmlns:a16="http://schemas.microsoft.com/office/drawing/2014/main" id="{2218F5B8-D7CA-7666-D123-6C7266F6513C}"/>
+                <a16:creationId xmlns:a16="http://schemas.microsoft.com/office/drawing/2014/main" id="{DE5859C1-8AB7-2B4D-36AE-56FC27F72511}"/>
               </a:ext>
             </a:extLst>
           </p:cNvPr>
@@ -5571,7 +6048,7 @@
     </p:spTree>
     <p:extLst>
       <p:ext uri="{BB962C8B-B14F-4D97-AF65-F5344CB8AC3E}">
-        <p14:creationId xmlns:p14="http://schemas.microsoft.com/office/powerpoint/2010/main" val="909310296"/>
+        <p14:creationId xmlns:p14="http://schemas.microsoft.com/office/powerpoint/2010/main" val="811344652"/>
       </p:ext>
     </p:extLst>
   </p:cSld>
@@ -5603,7 +6080,7 @@
           <p:cNvPr id="2" name="제목 1">
             <a:extLst>
               <a:ext uri="{FF2B5EF4-FFF2-40B4-BE49-F238E27FC236}">
-                <a16:creationId xmlns:a16="http://schemas.microsoft.com/office/drawing/2014/main" id="{3EEA63EC-9A9E-C471-DBBA-C880F8C3C16B}"/>
+                <a16:creationId xmlns:a16="http://schemas.microsoft.com/office/drawing/2014/main" id="{4964187D-E143-E4A4-3ADB-C14B9782283E}"/>
               </a:ext>
             </a:extLst>
           </p:cNvPr>
@@ -5619,14 +6096,7 @@
           <a:bodyPr/>
           <a:lstStyle/>
           <a:p>
-            <a:r>
-              <a:rPr lang="en-US" altLang="ko-KR" dirty="0"/>
-              <a:t>6. </a:t>
-            </a:r>
-            <a:r>
-              <a:rPr lang="ko-KR" altLang="en-US" dirty="0"/>
-              <a:t>중신용자 대출 승인을 위한 잠재적 기준 제안</a:t>
-            </a:r>
+            <a:endParaRPr lang="ko-KR" altLang="en-US"/>
           </a:p>
         </p:txBody>
       </p:sp>
@@ -5635,7 +6105,7 @@
           <p:cNvPr id="3" name="내용 개체 틀 2">
             <a:extLst>
               <a:ext uri="{FF2B5EF4-FFF2-40B4-BE49-F238E27FC236}">
-                <a16:creationId xmlns:a16="http://schemas.microsoft.com/office/drawing/2014/main" id="{F3F8367A-CDB0-E500-C70D-4943F1114B86}"/>
+                <a16:creationId xmlns:a16="http://schemas.microsoft.com/office/drawing/2014/main" id="{515C1417-B337-AB01-4884-6C222B689EBD}"/>
               </a:ext>
             </a:extLst>
           </p:cNvPr>
@@ -5651,14 +6121,14 @@
           <a:bodyPr/>
           <a:lstStyle/>
           <a:p>
-            <a:endParaRPr lang="ko-KR" altLang="en-US" dirty="0"/>
+            <a:endParaRPr lang="ko-KR" altLang="en-US"/>
           </a:p>
         </p:txBody>
       </p:sp>
     </p:spTree>
     <p:extLst>
       <p:ext uri="{BB962C8B-B14F-4D97-AF65-F5344CB8AC3E}">
-        <p14:creationId xmlns:p14="http://schemas.microsoft.com/office/powerpoint/2010/main" val="2393789184"/>
+        <p14:creationId xmlns:p14="http://schemas.microsoft.com/office/powerpoint/2010/main" val="1985252358"/>
       </p:ext>
     </p:extLst>
   </p:cSld>
